--- a/reference_material/slides/018_cards_2.pptx
+++ b/reference_material/slides/018_cards_2.pptx
@@ -123,6 +123,11 @@
       </a:defRPr>
     </a:lvl9pPr>
   </p:defaultTextStyle>
+  <p:extLst>
+    <p:ext uri="{EFAFB233-063F-42B5-8137-9DF3F51BA10A}">
+      <p15:sldGuideLst xmlns:p15="http://schemas.microsoft.com/office/powerpoint/2012/main"/>
+    </p:ext>
+  </p:extLst>
 </p:presentation>
 </file>
 
@@ -265,7 +270,7 @@
           <a:p>
             <a:fld id="{037C22A5-FE3F-EC49-B125-8DDAD5411CD8}" type="datetimeFigureOut">
               <a:rPr lang="en-US" smtClean="0"/>
-              <a:t>10/29/23</a:t>
+              <a:t>10/16/24</a:t>
             </a:fld>
             <a:endParaRPr lang="en-US"/>
           </a:p>
@@ -476,7 +481,7 @@
           <a:p>
             <a:fld id="{037C22A5-FE3F-EC49-B125-8DDAD5411CD8}" type="datetimeFigureOut">
               <a:rPr lang="en-US" smtClean="0"/>
-              <a:t>10/29/23</a:t>
+              <a:t>10/16/24</a:t>
             </a:fld>
             <a:endParaRPr lang="en-US"/>
           </a:p>
@@ -691,7 +696,7 @@
           <a:p>
             <a:fld id="{037C22A5-FE3F-EC49-B125-8DDAD5411CD8}" type="datetimeFigureOut">
               <a:rPr lang="en-US" smtClean="0"/>
-              <a:t>10/29/23</a:t>
+              <a:t>10/16/24</a:t>
             </a:fld>
             <a:endParaRPr lang="en-US"/>
           </a:p>
@@ -892,7 +897,7 @@
           <a:p>
             <a:fld id="{037C22A5-FE3F-EC49-B125-8DDAD5411CD8}" type="datetimeFigureOut">
               <a:rPr lang="en-US" smtClean="0"/>
-              <a:t>10/29/23</a:t>
+              <a:t>10/16/24</a:t>
             </a:fld>
             <a:endParaRPr lang="en-US"/>
           </a:p>
@@ -1171,7 +1176,7 @@
           <a:p>
             <a:fld id="{037C22A5-FE3F-EC49-B125-8DDAD5411CD8}" type="datetimeFigureOut">
               <a:rPr lang="en-US" smtClean="0"/>
-              <a:t>10/29/23</a:t>
+              <a:t>10/16/24</a:t>
             </a:fld>
             <a:endParaRPr lang="en-US"/>
           </a:p>
@@ -1439,7 +1444,7 @@
           <a:p>
             <a:fld id="{037C22A5-FE3F-EC49-B125-8DDAD5411CD8}" type="datetimeFigureOut">
               <a:rPr lang="en-US" smtClean="0"/>
-              <a:t>10/29/23</a:t>
+              <a:t>10/16/24</a:t>
             </a:fld>
             <a:endParaRPr lang="en-US"/>
           </a:p>
@@ -1855,7 +1860,7 @@
           <a:p>
             <a:fld id="{037C22A5-FE3F-EC49-B125-8DDAD5411CD8}" type="datetimeFigureOut">
               <a:rPr lang="en-US" smtClean="0"/>
-              <a:t>10/29/23</a:t>
+              <a:t>10/16/24</a:t>
             </a:fld>
             <a:endParaRPr lang="en-US"/>
           </a:p>
@@ -2004,7 +2009,7 @@
           <a:p>
             <a:fld id="{037C22A5-FE3F-EC49-B125-8DDAD5411CD8}" type="datetimeFigureOut">
               <a:rPr lang="en-US" smtClean="0"/>
-              <a:t>10/29/23</a:t>
+              <a:t>10/16/24</a:t>
             </a:fld>
             <a:endParaRPr lang="en-US"/>
           </a:p>
@@ -2130,7 +2135,7 @@
           <a:p>
             <a:fld id="{037C22A5-FE3F-EC49-B125-8DDAD5411CD8}" type="datetimeFigureOut">
               <a:rPr lang="en-US" smtClean="0"/>
-              <a:t>10/29/23</a:t>
+              <a:t>10/16/24</a:t>
             </a:fld>
             <a:endParaRPr lang="en-US"/>
           </a:p>
@@ -2381,7 +2386,7 @@
           <a:p>
             <a:fld id="{037C22A5-FE3F-EC49-B125-8DDAD5411CD8}" type="datetimeFigureOut">
               <a:rPr lang="en-US" smtClean="0"/>
-              <a:t>10/29/23</a:t>
+              <a:t>10/16/24</a:t>
             </a:fld>
             <a:endParaRPr lang="en-US"/>
           </a:p>
@@ -2826,7 +2831,7 @@
           <a:p>
             <a:fld id="{037C22A5-FE3F-EC49-B125-8DDAD5411CD8}" type="datetimeFigureOut">
               <a:rPr lang="en-US" smtClean="0"/>
-              <a:t>10/29/23</a:t>
+              <a:t>10/16/24</a:t>
             </a:fld>
             <a:endParaRPr lang="en-US"/>
           </a:p>
@@ -3153,7 +3158,7 @@
           <a:p>
             <a:fld id="{037C22A5-FE3F-EC49-B125-8DDAD5411CD8}" type="datetimeFigureOut">
               <a:rPr lang="en-US" smtClean="0"/>
-              <a:t>10/29/23</a:t>
+              <a:t>10/16/24</a:t>
             </a:fld>
             <a:endParaRPr lang="en-US"/>
           </a:p>
@@ -3695,21 +3700,14 @@
           <a:p>
             <a:r>
               <a:rPr lang="en-US" dirty="0"/>
-              <a:t>Reminder:</a:t>
-            </a:r>
-          </a:p>
-          <a:p>
-            <a:pPr lvl="1"/>
-            <a:r>
-              <a:rPr lang="en-US" dirty="0"/>
-              <a:t>No class Thursday, go to the conference if you’re interested. </a:t>
-            </a:r>
-          </a:p>
-          <a:p>
-            <a:pPr lvl="1"/>
-            <a:r>
-              <a:rPr lang="en-US" dirty="0"/>
-              <a:t>Test pushed to next Tuesday. Main topics on Moodle. Mostly similar to the last one. </a:t>
+              <a:t>There’s a conference!:</a:t>
+            </a:r>
+          </a:p>
+          <a:p>
+            <a:pPr lvl="1"/>
+            <a:r>
+              <a:rPr lang="en-US" dirty="0"/>
+              <a:t>Mark needs a count of how many people plan on attending on Thurs Oct 30. </a:t>
             </a:r>
           </a:p>
           <a:p>

--- a/reference_material/slides/018_cards_2.pptx
+++ b/reference_material/slides/018_cards_2.pptx
@@ -8,23 +8,25 @@
     <p:sldId id="271" r:id="rId2"/>
     <p:sldId id="256" r:id="rId3"/>
     <p:sldId id="275" r:id="rId4"/>
-    <p:sldId id="257" r:id="rId5"/>
-    <p:sldId id="258" r:id="rId6"/>
-    <p:sldId id="259" r:id="rId7"/>
-    <p:sldId id="260" r:id="rId8"/>
-    <p:sldId id="261" r:id="rId9"/>
-    <p:sldId id="262" r:id="rId10"/>
-    <p:sldId id="263" r:id="rId11"/>
-    <p:sldId id="265" r:id="rId12"/>
-    <p:sldId id="266" r:id="rId13"/>
-    <p:sldId id="264" r:id="rId14"/>
-    <p:sldId id="267" r:id="rId15"/>
-    <p:sldId id="268" r:id="rId16"/>
-    <p:sldId id="269" r:id="rId17"/>
-    <p:sldId id="274" r:id="rId18"/>
-    <p:sldId id="270" r:id="rId19"/>
-    <p:sldId id="272" r:id="rId20"/>
-    <p:sldId id="273" r:id="rId21"/>
+    <p:sldId id="277" r:id="rId5"/>
+    <p:sldId id="276" r:id="rId6"/>
+    <p:sldId id="257" r:id="rId7"/>
+    <p:sldId id="258" r:id="rId8"/>
+    <p:sldId id="259" r:id="rId9"/>
+    <p:sldId id="260" r:id="rId10"/>
+    <p:sldId id="261" r:id="rId11"/>
+    <p:sldId id="262" r:id="rId12"/>
+    <p:sldId id="263" r:id="rId13"/>
+    <p:sldId id="265" r:id="rId14"/>
+    <p:sldId id="266" r:id="rId15"/>
+    <p:sldId id="264" r:id="rId16"/>
+    <p:sldId id="267" r:id="rId17"/>
+    <p:sldId id="268" r:id="rId18"/>
+    <p:sldId id="269" r:id="rId19"/>
+    <p:sldId id="274" r:id="rId20"/>
+    <p:sldId id="270" r:id="rId21"/>
+    <p:sldId id="272" r:id="rId22"/>
+    <p:sldId id="273" r:id="rId23"/>
   </p:sldIdLst>
   <p:sldSz cx="12192000" cy="6858000"/>
   <p:notesSz cx="6858000" cy="9144000"/>
@@ -270,7 +272,7 @@
           <a:p>
             <a:fld id="{037C22A5-FE3F-EC49-B125-8DDAD5411CD8}" type="datetimeFigureOut">
               <a:rPr lang="en-US" smtClean="0"/>
-              <a:t>10/16/24</a:t>
+              <a:t>10/22/24</a:t>
             </a:fld>
             <a:endParaRPr lang="en-US"/>
           </a:p>
@@ -481,7 +483,7 @@
           <a:p>
             <a:fld id="{037C22A5-FE3F-EC49-B125-8DDAD5411CD8}" type="datetimeFigureOut">
               <a:rPr lang="en-US" smtClean="0"/>
-              <a:t>10/16/24</a:t>
+              <a:t>10/22/24</a:t>
             </a:fld>
             <a:endParaRPr lang="en-US"/>
           </a:p>
@@ -696,7 +698,7 @@
           <a:p>
             <a:fld id="{037C22A5-FE3F-EC49-B125-8DDAD5411CD8}" type="datetimeFigureOut">
               <a:rPr lang="en-US" smtClean="0"/>
-              <a:t>10/16/24</a:t>
+              <a:t>10/22/24</a:t>
             </a:fld>
             <a:endParaRPr lang="en-US"/>
           </a:p>
@@ -897,7 +899,7 @@
           <a:p>
             <a:fld id="{037C22A5-FE3F-EC49-B125-8DDAD5411CD8}" type="datetimeFigureOut">
               <a:rPr lang="en-US" smtClean="0"/>
-              <a:t>10/16/24</a:t>
+              <a:t>10/22/24</a:t>
             </a:fld>
             <a:endParaRPr lang="en-US"/>
           </a:p>
@@ -1176,7 +1178,7 @@
           <a:p>
             <a:fld id="{037C22A5-FE3F-EC49-B125-8DDAD5411CD8}" type="datetimeFigureOut">
               <a:rPr lang="en-US" smtClean="0"/>
-              <a:t>10/16/24</a:t>
+              <a:t>10/22/24</a:t>
             </a:fld>
             <a:endParaRPr lang="en-US"/>
           </a:p>
@@ -1444,7 +1446,7 @@
           <a:p>
             <a:fld id="{037C22A5-FE3F-EC49-B125-8DDAD5411CD8}" type="datetimeFigureOut">
               <a:rPr lang="en-US" smtClean="0"/>
-              <a:t>10/16/24</a:t>
+              <a:t>10/22/24</a:t>
             </a:fld>
             <a:endParaRPr lang="en-US"/>
           </a:p>
@@ -1860,7 +1862,7 @@
           <a:p>
             <a:fld id="{037C22A5-FE3F-EC49-B125-8DDAD5411CD8}" type="datetimeFigureOut">
               <a:rPr lang="en-US" smtClean="0"/>
-              <a:t>10/16/24</a:t>
+              <a:t>10/22/24</a:t>
             </a:fld>
             <a:endParaRPr lang="en-US"/>
           </a:p>
@@ -2009,7 +2011,7 @@
           <a:p>
             <a:fld id="{037C22A5-FE3F-EC49-B125-8DDAD5411CD8}" type="datetimeFigureOut">
               <a:rPr lang="en-US" smtClean="0"/>
-              <a:t>10/16/24</a:t>
+              <a:t>10/22/24</a:t>
             </a:fld>
             <a:endParaRPr lang="en-US"/>
           </a:p>
@@ -2135,7 +2137,7 @@
           <a:p>
             <a:fld id="{037C22A5-FE3F-EC49-B125-8DDAD5411CD8}" type="datetimeFigureOut">
               <a:rPr lang="en-US" smtClean="0"/>
-              <a:t>10/16/24</a:t>
+              <a:t>10/22/24</a:t>
             </a:fld>
             <a:endParaRPr lang="en-US"/>
           </a:p>
@@ -2386,7 +2388,7 @@
           <a:p>
             <a:fld id="{037C22A5-FE3F-EC49-B125-8DDAD5411CD8}" type="datetimeFigureOut">
               <a:rPr lang="en-US" smtClean="0"/>
-              <a:t>10/16/24</a:t>
+              <a:t>10/22/24</a:t>
             </a:fld>
             <a:endParaRPr lang="en-US"/>
           </a:p>
@@ -2831,7 +2833,7 @@
           <a:p>
             <a:fld id="{037C22A5-FE3F-EC49-B125-8DDAD5411CD8}" type="datetimeFigureOut">
               <a:rPr lang="en-US" smtClean="0"/>
-              <a:t>10/16/24</a:t>
+              <a:t>10/22/24</a:t>
             </a:fld>
             <a:endParaRPr lang="en-US"/>
           </a:p>
@@ -3158,7 +3160,7 @@
           <a:p>
             <a:fld id="{037C22A5-FE3F-EC49-B125-8DDAD5411CD8}" type="datetimeFigureOut">
               <a:rPr lang="en-US" smtClean="0"/>
-              <a:t>10/16/24</a:t>
+              <a:t>10/22/24</a:t>
             </a:fld>
             <a:endParaRPr lang="en-US"/>
           </a:p>
@@ -3690,8 +3692,8 @@
         </p:nvSpPr>
         <p:spPr>
           <a:xfrm>
-            <a:off x="1451579" y="1853754"/>
-            <a:ext cx="9603275" cy="4199727"/>
+            <a:off x="755375" y="1853754"/>
+            <a:ext cx="10863468" cy="4199727"/>
           </a:xfrm>
         </p:spPr>
         <p:txBody>
@@ -3700,34 +3702,42 @@
           <a:p>
             <a:r>
               <a:rPr lang="en-US" dirty="0"/>
-              <a:t>There’s a conference!:</a:t>
-            </a:r>
-          </a:p>
-          <a:p>
-            <a:pPr lvl="1"/>
-            <a:r>
-              <a:rPr lang="en-US" dirty="0"/>
-              <a:t>Mark needs a count of how many people plan on attending on Thurs Oct 30. </a:t>
-            </a:r>
-          </a:p>
-          <a:p>
-            <a:r>
-              <a:rPr lang="en-US" dirty="0"/>
-              <a:t>Today:</a:t>
-            </a:r>
-          </a:p>
-          <a:p>
-            <a:pPr lvl="1"/>
-            <a:r>
-              <a:rPr lang="en-US" dirty="0"/>
-              <a:t>More poker and cards. </a:t>
-            </a:r>
-          </a:p>
-          <a:p>
-            <a:pPr lvl="1"/>
-            <a:r>
-              <a:rPr lang="en-US" dirty="0"/>
-              <a:t>Some basic software engineering and applied agile concepts. </a:t>
+              <a:t>Assignment Notes:</a:t>
+            </a:r>
+          </a:p>
+          <a:p>
+            <a:pPr lvl="1"/>
+            <a:r>
+              <a:rPr lang="en-US" dirty="0"/>
+              <a:t>I thought the directions </a:t>
+            </a:r>
+            <a:r>
+              <a:rPr lang="en-US" dirty="0" err="1"/>
+              <a:t>w.r.t.</a:t>
+            </a:r>
+            <a:r>
+              <a:rPr lang="en-US" dirty="0"/>
+              <a:t> creating your own tests based on my examples was clear, it wasn’t. </a:t>
+            </a:r>
+          </a:p>
+          <a:p>
+            <a:pPr lvl="1"/>
+            <a:r>
+              <a:rPr lang="en-US" dirty="0"/>
+              <a:t>If you have questions or want to change things, I won’t mark it until at least Friday, so do what you must…</a:t>
+            </a:r>
+          </a:p>
+          <a:p>
+            <a:r>
+              <a:rPr lang="en-US" dirty="0"/>
+              <a:t>Today – something a little different, work on some larger-scale challenges:</a:t>
+            </a:r>
+          </a:p>
+          <a:p>
+            <a:pPr lvl="1"/>
+            <a:r>
+              <a:rPr lang="en-US" dirty="0"/>
+              <a:t>More poker and cards - basic small-scale software engineering and applied agile concepts. </a:t>
             </a:r>
           </a:p>
           <a:p>
@@ -3752,7 +3762,11 @@
             </a:r>
           </a:p>
           <a:p>
-            <a:endParaRPr lang="en-US" dirty="0"/>
+            <a:pPr lvl="1"/>
+            <a:r>
+              <a:rPr lang="en-US" dirty="0"/>
+              <a:t>DS and related projects are often small and solo, practice at ‘translating’ requirements is key. </a:t>
+            </a:r>
           </a:p>
         </p:txBody>
       </p:sp>
@@ -3791,7 +3805,7 @@
           <p:cNvPr id="2" name="Title 1">
             <a:extLst>
               <a:ext uri="{FF2B5EF4-FFF2-40B4-BE49-F238E27FC236}">
-                <a16:creationId xmlns:a16="http://schemas.microsoft.com/office/drawing/2014/main" id="{7F53AC10-5D87-A577-6687-5CA0D78CF88A}"/>
+                <a16:creationId xmlns:a16="http://schemas.microsoft.com/office/drawing/2014/main" id="{2409D84F-18B2-A240-3C47-598ECA0ADED3}"/>
               </a:ext>
             </a:extLst>
           </p:cNvPr>
@@ -3809,7 +3823,7 @@
           <a:p>
             <a:r>
               <a:rPr lang="en-US" dirty="0"/>
-              <a:t>The Black Box of Software</a:t>
+              <a:t>Cont.</a:t>
             </a:r>
           </a:p>
         </p:txBody>
@@ -3819,7 +3833,7 @@
           <p:cNvPr id="3" name="Content Placeholder 2">
             <a:extLst>
               <a:ext uri="{FF2B5EF4-FFF2-40B4-BE49-F238E27FC236}">
-                <a16:creationId xmlns:a16="http://schemas.microsoft.com/office/drawing/2014/main" id="{4AAB075A-5815-FBF6-B3D4-45392B5A7969}"/>
+                <a16:creationId xmlns:a16="http://schemas.microsoft.com/office/drawing/2014/main" id="{39CFBB65-CD3D-B989-1186-61F63F8AB8DC}"/>
               </a:ext>
             </a:extLst>
           </p:cNvPr>
@@ -3832,8 +3846,8 @@
         </p:nvSpPr>
         <p:spPr>
           <a:xfrm>
-            <a:off x="1451579" y="1853754"/>
-            <a:ext cx="9603275" cy="4199727"/>
+            <a:off x="725557" y="2015732"/>
+            <a:ext cx="10783956" cy="4037749"/>
           </a:xfrm>
         </p:spPr>
         <p:txBody>
@@ -3842,53 +3856,61 @@
           <a:p>
             <a:r>
               <a:rPr lang="en-US" dirty="0"/>
-              <a:t>A common term you see in software is a Black Box. </a:t>
-            </a:r>
-          </a:p>
-          <a:p>
-            <a:pPr lvl="1"/>
-            <a:r>
-              <a:rPr lang="en-US" dirty="0"/>
-              <a:t>We know what goes in and what comes out, but have no idea what happens inside. </a:t>
-            </a:r>
-          </a:p>
-          <a:p>
-            <a:r>
-              <a:rPr lang="en-US" dirty="0"/>
-              <a:t>With well defined functions (and many ML models), this is also true. </a:t>
-            </a:r>
-          </a:p>
-          <a:p>
-            <a:pPr lvl="1"/>
-            <a:r>
-              <a:rPr lang="en-US" dirty="0"/>
-              <a:t>The arguments are what we get as an input. </a:t>
-            </a:r>
-          </a:p>
-          <a:p>
-            <a:pPr lvl="1"/>
-            <a:r>
-              <a:rPr lang="en-US" dirty="0"/>
-              <a:t>The return value is what we produce as an output. </a:t>
-            </a:r>
-          </a:p>
-          <a:p>
-            <a:pPr lvl="1"/>
-            <a:r>
-              <a:rPr lang="en-US" dirty="0"/>
-              <a:t>As long as we connect A to B, who cares how? </a:t>
-            </a:r>
-          </a:p>
-          <a:p>
-            <a:r>
-              <a:rPr lang="en-US" dirty="0"/>
-              <a:t>In our own code, if we can isolate anything into its own function, this idea can help. </a:t>
-            </a:r>
-          </a:p>
-          <a:p>
-            <a:r>
-              <a:rPr lang="en-US" dirty="0"/>
-              <a:t>Also a common way to assign work to others, it is clear what has to be done. </a:t>
+              <a:t>Now I know that my constructor works and can “see” the cards that I want to use. </a:t>
+            </a:r>
+          </a:p>
+          <a:p>
+            <a:r>
+              <a:rPr lang="en-US" dirty="0"/>
+              <a:t>Define and test the control condition for full deck / small deck:</a:t>
+            </a:r>
+          </a:p>
+          <a:p>
+            <a:pPr lvl="1"/>
+            <a:r>
+              <a:rPr lang="en-US" dirty="0"/>
+              <a:t>If doing a full deck, make sure that I don’t break it. </a:t>
+            </a:r>
+          </a:p>
+          <a:p>
+            <a:pPr lvl="1"/>
+            <a:r>
+              <a:rPr lang="en-US" dirty="0"/>
+              <a:t>If doing a small deck, start with just printing out the cards or something easy. Return an empty deck.</a:t>
+            </a:r>
+          </a:p>
+          <a:p>
+            <a:pPr lvl="1"/>
+            <a:r>
+              <a:rPr lang="en-US" dirty="0"/>
+              <a:t>I can also separate the steps of processing the input and printing it, and making the new object. </a:t>
+            </a:r>
+          </a:p>
+          <a:p>
+            <a:pPr lvl="1"/>
+            <a:r>
+              <a:rPr lang="en-US" dirty="0"/>
+              <a:t>If something goes wrong here I know it was something to do with logic and argument options. </a:t>
+            </a:r>
+          </a:p>
+          <a:p>
+            <a:r>
+              <a:rPr lang="en-US" dirty="0"/>
+              <a:t>Add a step to construct the small deck, so the second option will now return the result. </a:t>
+            </a:r>
+          </a:p>
+          <a:p>
+            <a:pPr lvl="1"/>
+            <a:r>
+              <a:rPr lang="en-US" dirty="0"/>
+              <a:t>I.e. replace the generation part in a full deck with taking the cards and putting them in. </a:t>
+            </a:r>
+          </a:p>
+          <a:p>
+            <a:pPr lvl="1"/>
+            <a:r>
+              <a:rPr lang="en-US" dirty="0"/>
+              <a:t>If something here fails, we know it was the step off adding cards to a deck</a:t>
             </a:r>
           </a:p>
         </p:txBody>
@@ -3896,7 +3918,7 @@
     </p:spTree>
     <p:extLst>
       <p:ext uri="{BB962C8B-B14F-4D97-AF65-F5344CB8AC3E}">
-        <p14:creationId xmlns:p14="http://schemas.microsoft.com/office/powerpoint/2010/main" val="1387795229"/>
+        <p14:creationId xmlns:p14="http://schemas.microsoft.com/office/powerpoint/2010/main" val="3013411299"/>
       </p:ext>
     </p:extLst>
   </p:cSld>
@@ -3928,7 +3950,7 @@
           <p:cNvPr id="2" name="Title 1">
             <a:extLst>
               <a:ext uri="{FF2B5EF4-FFF2-40B4-BE49-F238E27FC236}">
-                <a16:creationId xmlns:a16="http://schemas.microsoft.com/office/drawing/2014/main" id="{7F62AD1C-D6E5-5E0E-7157-E4698D82A5AF}"/>
+                <a16:creationId xmlns:a16="http://schemas.microsoft.com/office/drawing/2014/main" id="{28699051-3447-B17E-8507-50315872AB6D}"/>
               </a:ext>
             </a:extLst>
           </p:cNvPr>
@@ -3946,7 +3968,7 @@
           <a:p>
             <a:r>
               <a:rPr lang="en-US" dirty="0"/>
-              <a:t>Last Challenge – The (Art of the) Deal</a:t>
+              <a:t>With well encapsulated Functions</a:t>
             </a:r>
           </a:p>
         </p:txBody>
@@ -3956,7 +3978,7 @@
           <p:cNvPr id="3" name="Content Placeholder 2">
             <a:extLst>
               <a:ext uri="{FF2B5EF4-FFF2-40B4-BE49-F238E27FC236}">
-                <a16:creationId xmlns:a16="http://schemas.microsoft.com/office/drawing/2014/main" id="{31DC62D9-C326-E6DF-55F4-0D15A002BD74}"/>
+                <a16:creationId xmlns:a16="http://schemas.microsoft.com/office/drawing/2014/main" id="{B677BA0D-6D48-F357-AB49-0D1D0312B947}"/>
               </a:ext>
             </a:extLst>
           </p:cNvPr>
@@ -3969,78 +3991,96 @@
         </p:nvSpPr>
         <p:spPr>
           <a:xfrm>
-            <a:off x="1451579" y="1853754"/>
-            <a:ext cx="9603275" cy="4199727"/>
+            <a:off x="1137146" y="1853754"/>
+            <a:ext cx="10024497" cy="4199727"/>
           </a:xfrm>
         </p:spPr>
         <p:txBody>
-          <a:bodyPr/>
-          <a:lstStyle/>
-          <a:p>
-            <a:r>
-              <a:rPr lang="en-US" dirty="0"/>
-              <a:t>Our deck should deal out cards when we ask for them by the deal() function. </a:t>
-            </a:r>
-          </a:p>
-          <a:p>
-            <a:pPr lvl="1"/>
-            <a:r>
-              <a:rPr lang="en-US" dirty="0"/>
-              <a:t>Inputs – the number of hands and cards per hand. </a:t>
-            </a:r>
-          </a:p>
-          <a:p>
-            <a:pPr lvl="1"/>
-            <a:r>
-              <a:rPr lang="en-US" dirty="0"/>
-              <a:t>Output – a list of Hands of cards that were removed from the deck. </a:t>
-            </a:r>
-          </a:p>
-          <a:p>
-            <a:r>
-              <a:rPr lang="en-US" dirty="0"/>
-              <a:t>Step one – can I pull some Cards from the deck?</a:t>
-            </a:r>
-          </a:p>
-          <a:p>
-            <a:pPr lvl="1"/>
-            <a:r>
-              <a:rPr lang="en-US" dirty="0"/>
-              <a:t>Use only the number of cards, and only worry about one hand. </a:t>
-            </a:r>
-          </a:p>
-          <a:p>
-            <a:pPr lvl="1"/>
-            <a:r>
-              <a:rPr lang="en-US" dirty="0"/>
-              <a:t>Attempt to pull that number of cards, and print them and/or return them as a list. </a:t>
-            </a:r>
-          </a:p>
-          <a:p>
-            <a:pPr lvl="1"/>
-            <a:r>
-              <a:rPr lang="en-US" dirty="0"/>
-              <a:t>Check and see that they are actually removed from the deck. </a:t>
-            </a:r>
-          </a:p>
-          <a:p>
-            <a:r>
-              <a:rPr lang="en-US" dirty="0"/>
-              <a:t>Step two – can I pull several sets of cards from the deck. </a:t>
-            </a:r>
-          </a:p>
-          <a:p>
-            <a:pPr lvl="1"/>
-            <a:r>
-              <a:rPr lang="en-US" dirty="0"/>
-              <a:t>Use the number of cards and number of hands to pull the total number of cards. (2 loops?)</a:t>
-            </a:r>
-          </a:p>
-          <a:p>
-            <a:pPr lvl="1"/>
-            <a:r>
-              <a:rPr lang="en-US" dirty="0"/>
-              <a:t>Construct them into a list of lists for printing/returning. </a:t>
+          <a:bodyPr>
+            <a:normAutofit/>
+          </a:bodyPr>
+          <a:lstStyle/>
+          <a:p>
+            <a:r>
+              <a:rPr lang="en-US" dirty="0"/>
+              <a:t>Define the arguments and the return value (if not specified). </a:t>
+            </a:r>
+          </a:p>
+          <a:p>
+            <a:pPr lvl="1"/>
+            <a:r>
+              <a:rPr lang="en-US" dirty="0"/>
+              <a:t>This is a reason we want to split things into functions, they can be tested and reused. </a:t>
+            </a:r>
+          </a:p>
+          <a:p>
+            <a:r>
+              <a:rPr lang="en-US" dirty="0"/>
+              <a:t>Start with an empty shell of the function:</a:t>
+            </a:r>
+          </a:p>
+          <a:p>
+            <a:pPr lvl="1"/>
+            <a:r>
+              <a:rPr lang="en-US" dirty="0"/>
+              <a:t>Take in arguments and look at them (print, info, length, </a:t>
+            </a:r>
+            <a:r>
+              <a:rPr lang="en-US" dirty="0" err="1"/>
+              <a:t>etc</a:t>
+            </a:r>
+            <a:r>
+              <a:rPr lang="en-US" dirty="0"/>
+              <a:t>…)</a:t>
+            </a:r>
+          </a:p>
+          <a:p>
+            <a:pPr lvl="1"/>
+            <a:r>
+              <a:rPr lang="en-US" dirty="0"/>
+              <a:t>Return some empty or default version of whatever you need to provide. (Other code still works)</a:t>
+            </a:r>
+          </a:p>
+          <a:p>
+            <a:pPr lvl="1"/>
+            <a:r>
+              <a:rPr lang="en-US" dirty="0"/>
+              <a:t>Now the goal is fixed – go from the start to the end. It generally doesn’t matter how. </a:t>
+            </a:r>
+          </a:p>
+          <a:p>
+            <a:r>
+              <a:rPr lang="en-US" dirty="0"/>
+              <a:t>Begin to work incrementally on the problem:</a:t>
+            </a:r>
+          </a:p>
+          <a:p>
+            <a:pPr lvl="1"/>
+            <a:r>
+              <a:rPr lang="en-US" dirty="0"/>
+              <a:t>If there are control logic like ifs or loops, can we make an empty one. Print where you are in each. </a:t>
+            </a:r>
+          </a:p>
+          <a:p>
+            <a:pPr lvl="1"/>
+            <a:r>
+              <a:rPr lang="en-US" dirty="0"/>
+              <a:t>When doing the “processing” part update print or return </a:t>
+            </a:r>
+            <a:r>
+              <a:rPr lang="en-US" dirty="0" err="1"/>
+              <a:t>vals</a:t>
+            </a:r>
+            <a:r>
+              <a:rPr lang="en-US" dirty="0"/>
+              <a:t> progressively to see what changes. </a:t>
+            </a:r>
+          </a:p>
+          <a:p>
+            <a:pPr lvl="1"/>
+            <a:r>
+              <a:rPr lang="en-US" dirty="0"/>
+              <a:t>As we add each additional step, if things stop working, we know it was that step. </a:t>
             </a:r>
           </a:p>
         </p:txBody>
@@ -4048,7 +4088,7 @@
     </p:spTree>
     <p:extLst>
       <p:ext uri="{BB962C8B-B14F-4D97-AF65-F5344CB8AC3E}">
-        <p14:creationId xmlns:p14="http://schemas.microsoft.com/office/powerpoint/2010/main" val="170558196"/>
+        <p14:creationId xmlns:p14="http://schemas.microsoft.com/office/powerpoint/2010/main" val="2265251456"/>
       </p:ext>
     </p:extLst>
   </p:cSld>
@@ -4080,7 +4120,7 @@
           <p:cNvPr id="2" name="Title 1">
             <a:extLst>
               <a:ext uri="{FF2B5EF4-FFF2-40B4-BE49-F238E27FC236}">
-                <a16:creationId xmlns:a16="http://schemas.microsoft.com/office/drawing/2014/main" id="{F4A1819E-FC22-5BB8-D43D-54EE2E1CF6A4}"/>
+                <a16:creationId xmlns:a16="http://schemas.microsoft.com/office/drawing/2014/main" id="{7F53AC10-5D87-A577-6687-5CA0D78CF88A}"/>
               </a:ext>
             </a:extLst>
           </p:cNvPr>
@@ -4098,7 +4138,7 @@
           <a:p>
             <a:r>
               <a:rPr lang="en-US" dirty="0"/>
-              <a:t>Cont.</a:t>
+              <a:t>The Black Box of Software</a:t>
             </a:r>
           </a:p>
         </p:txBody>
@@ -4108,7 +4148,7 @@
           <p:cNvPr id="3" name="Content Placeholder 2">
             <a:extLst>
               <a:ext uri="{FF2B5EF4-FFF2-40B4-BE49-F238E27FC236}">
-                <a16:creationId xmlns:a16="http://schemas.microsoft.com/office/drawing/2014/main" id="{2B05AFE1-F525-D846-3909-EC7791834A3E}"/>
+                <a16:creationId xmlns:a16="http://schemas.microsoft.com/office/drawing/2014/main" id="{4AAB075A-5815-FBF6-B3D4-45392B5A7969}"/>
               </a:ext>
             </a:extLst>
           </p:cNvPr>
@@ -4121,8 +4161,8 @@
         </p:nvSpPr>
         <p:spPr>
           <a:xfrm>
-            <a:off x="785191" y="1853754"/>
-            <a:ext cx="10475844" cy="4199727"/>
+            <a:off x="1451579" y="1853754"/>
+            <a:ext cx="10740421" cy="4199727"/>
           </a:xfrm>
         </p:spPr>
         <p:txBody>
@@ -4131,69 +4171,114 @@
           <a:p>
             <a:r>
               <a:rPr lang="en-US" dirty="0"/>
-              <a:t>Step 3 – Can I construct Decks instead of lists to return. </a:t>
-            </a:r>
-          </a:p>
-          <a:p>
-            <a:pPr lvl="1"/>
-            <a:r>
-              <a:rPr lang="en-US" dirty="0"/>
-              <a:t>Change the step where each “hand” is assembled into it’s (inner) list into the construction of a new deck with those same cards. </a:t>
-            </a:r>
-          </a:p>
-          <a:p>
-            <a:pPr lvl="1"/>
-            <a:r>
-              <a:rPr lang="en-US" dirty="0"/>
-              <a:t>Print the Decks (we did the str) to make sure that we have the correct things. </a:t>
-            </a:r>
-          </a:p>
-          <a:p>
-            <a:r>
-              <a:rPr lang="en-US" dirty="0"/>
-              <a:t>Step 4 – Construct the final return value, and test different scenarios. </a:t>
-            </a:r>
-          </a:p>
-          <a:p>
-            <a:pPr lvl="1"/>
-            <a:r>
-              <a:rPr lang="en-US" dirty="0"/>
-              <a:t>Make the final return value into the desired format, test different numbers. </a:t>
-            </a:r>
-          </a:p>
-          <a:p>
-            <a:pPr lvl="1"/>
-            <a:r>
-              <a:rPr lang="en-US" dirty="0"/>
-              <a:t>I printed the deck before, hands, and the deck after, and checked for # of items and a few specifics. </a:t>
-            </a:r>
-          </a:p>
-          <a:p>
-            <a:r>
-              <a:rPr lang="en-US" dirty="0"/>
-              <a:t>Each step here is really only pushing us a little closer to the goal. </a:t>
-            </a:r>
-          </a:p>
-          <a:p>
-            <a:pPr lvl="1"/>
-            <a:r>
-              <a:rPr lang="en-US" dirty="0"/>
-              <a:t>We have a constantly evolving “outcome” that we can verify at each step. </a:t>
-            </a:r>
-          </a:p>
-          <a:p>
-            <a:pPr lvl="1"/>
-            <a:r>
-              <a:rPr lang="en-US" dirty="0"/>
-              <a:t>When something fails, it is easy to pinpoint where that failure is. </a:t>
-            </a:r>
-          </a:p>
-        </p:txBody>
-      </p:sp>
+              <a:t>A common term you see in software is a Black Box. </a:t>
+            </a:r>
+          </a:p>
+          <a:p>
+            <a:pPr lvl="1"/>
+            <a:r>
+              <a:rPr lang="en-US" dirty="0"/>
+              <a:t>We know what goes in and what comes out, but have no idea what happens inside. </a:t>
+            </a:r>
+          </a:p>
+          <a:p>
+            <a:r>
+              <a:rPr lang="en-US" dirty="0"/>
+              <a:t>With well defined functions (and many ML models), this is also true. </a:t>
+            </a:r>
+          </a:p>
+          <a:p>
+            <a:pPr lvl="1"/>
+            <a:r>
+              <a:rPr lang="en-US" dirty="0"/>
+              <a:t>The arguments are what we get as an input. </a:t>
+            </a:r>
+          </a:p>
+          <a:p>
+            <a:pPr lvl="1"/>
+            <a:r>
+              <a:rPr lang="en-US" dirty="0"/>
+              <a:t>The return value is what we produce as an output. </a:t>
+            </a:r>
+          </a:p>
+          <a:p>
+            <a:pPr lvl="1"/>
+            <a:r>
+              <a:rPr lang="en-US" dirty="0"/>
+              <a:t>As long as we connect A to B, who cares how? </a:t>
+            </a:r>
+          </a:p>
+          <a:p>
+            <a:r>
+              <a:rPr lang="en-US" dirty="0"/>
+              <a:t>In our own code, if we can isolate anything into its own function, this idea can help. </a:t>
+            </a:r>
+          </a:p>
+          <a:p>
+            <a:r>
+              <a:rPr lang="en-US" dirty="0"/>
+              <a:t>Also a common way to assign work to others, it is clear what has to be done. </a:t>
+            </a:r>
+          </a:p>
+          <a:p>
+            <a:r>
+              <a:rPr lang="en-US" dirty="0"/>
+              <a:t>In DS work, this largely applies – data needs to be a specified format for modelling, no matter how.</a:t>
+            </a:r>
+          </a:p>
+        </p:txBody>
+      </p:sp>
+      <p:pic>
+        <p:nvPicPr>
+          <p:cNvPr id="2050" name="Picture 2" descr="Black-box test design in Agile - Experimentus">
+            <a:extLst>
+              <a:ext uri="{FF2B5EF4-FFF2-40B4-BE49-F238E27FC236}">
+                <a16:creationId xmlns:a16="http://schemas.microsoft.com/office/drawing/2014/main" id="{DCB01C2E-A05C-3423-5E88-4D62768C8D3D}"/>
+              </a:ext>
+            </a:extLst>
+          </p:cNvPr>
+          <p:cNvPicPr>
+            <a:picLocks noChangeAspect="1" noChangeArrowheads="1"/>
+          </p:cNvPicPr>
+          <p:nvPr/>
+        </p:nvPicPr>
+        <p:blipFill>
+          <a:blip r:embed="rId2">
+            <a:extLst>
+              <a:ext uri="{28A0092B-C50C-407E-A947-70E740481C1C}">
+                <a14:useLocalDpi xmlns:a14="http://schemas.microsoft.com/office/drawing/2010/main" val="0"/>
+              </a:ext>
+            </a:extLst>
+          </a:blip>
+          <a:srcRect/>
+          <a:stretch>
+            <a:fillRect/>
+          </a:stretch>
+        </p:blipFill>
+        <p:spPr bwMode="auto">
+          <a:xfrm>
+            <a:off x="7626074" y="0"/>
+            <a:ext cx="4565926" cy="2112768"/>
+          </a:xfrm>
+          <a:prstGeom prst="rect">
+            <a:avLst/>
+          </a:prstGeom>
+          <a:noFill/>
+          <a:extLst>
+            <a:ext uri="{909E8E84-426E-40DD-AFC4-6F175D3DCCD1}">
+              <a14:hiddenFill xmlns:a14="http://schemas.microsoft.com/office/drawing/2010/main">
+                <a:solidFill>
+                  <a:srgbClr val="FFFFFF"/>
+                </a:solidFill>
+              </a14:hiddenFill>
+            </a:ext>
+          </a:extLst>
+        </p:spPr>
+      </p:pic>
     </p:spTree>
     <p:extLst>
       <p:ext uri="{BB962C8B-B14F-4D97-AF65-F5344CB8AC3E}">
-        <p14:creationId xmlns:p14="http://schemas.microsoft.com/office/powerpoint/2010/main" val="452433239"/>
+        <p14:creationId xmlns:p14="http://schemas.microsoft.com/office/powerpoint/2010/main" val="1387795229"/>
       </p:ext>
     </p:extLst>
   </p:cSld>
@@ -4204,7 +4289,7 @@
 </file>
 
 <file path=ppt/slides/slide13.xml><?xml version="1.0" encoding="utf-8"?>
-<p:sld xmlns:a="http://schemas.openxmlformats.org/drawingml/2006/main" xmlns:r="http://schemas.openxmlformats.org/officeDocument/2006/relationships" xmlns:p="http://schemas.openxmlformats.org/presentationml/2006/main">
+<p:sld xmlns:a="http://schemas.openxmlformats.org/drawingml/2006/main" xmlns:r="http://schemas.openxmlformats.org/officeDocument/2006/relationships" xmlns:p="http://schemas.openxmlformats.org/presentationml/2006/main" show="0">
   <p:cSld>
     <p:spTree>
       <p:nvGrpSpPr>
@@ -4225,7 +4310,7 @@
           <p:cNvPr id="2" name="Title 1">
             <a:extLst>
               <a:ext uri="{FF2B5EF4-FFF2-40B4-BE49-F238E27FC236}">
-                <a16:creationId xmlns:a16="http://schemas.microsoft.com/office/drawing/2014/main" id="{D9FA2F5C-2A66-F8F8-9F76-2C8675D18116}"/>
+                <a16:creationId xmlns:a16="http://schemas.microsoft.com/office/drawing/2014/main" id="{7F62AD1C-D6E5-5E0E-7157-E4698D82A5AF}"/>
               </a:ext>
             </a:extLst>
           </p:cNvPr>
@@ -4243,7 +4328,7 @@
           <a:p>
             <a:r>
               <a:rPr lang="en-US" dirty="0"/>
-              <a:t>Inherit from the Deck</a:t>
+              <a:t>Last Challenge – The (Art of the) Deal</a:t>
             </a:r>
           </a:p>
         </p:txBody>
@@ -4253,7 +4338,7 @@
           <p:cNvPr id="3" name="Content Placeholder 2">
             <a:extLst>
               <a:ext uri="{FF2B5EF4-FFF2-40B4-BE49-F238E27FC236}">
-                <a16:creationId xmlns:a16="http://schemas.microsoft.com/office/drawing/2014/main" id="{8CE84111-3C30-8DD9-90D2-E9F6DB0294D9}"/>
+                <a16:creationId xmlns:a16="http://schemas.microsoft.com/office/drawing/2014/main" id="{31DC62D9-C326-E6DF-55F4-0D15A002BD74}"/>
               </a:ext>
             </a:extLst>
           </p:cNvPr>
@@ -4266,8 +4351,8 @@
         </p:nvSpPr>
         <p:spPr>
           <a:xfrm>
-            <a:off x="1103243" y="1948070"/>
-            <a:ext cx="10177670" cy="4105411"/>
+            <a:off x="1451579" y="1853754"/>
+            <a:ext cx="9603275" cy="4199727"/>
           </a:xfrm>
         </p:spPr>
         <p:txBody>
@@ -4276,80 +4361,68 @@
           <a:p>
             <a:r>
               <a:rPr lang="en-US" dirty="0"/>
-              <a:t>We also want to make a subclass of the deck, a (poker*) Hand. </a:t>
-            </a:r>
-          </a:p>
-          <a:p>
-            <a:pPr lvl="1"/>
-            <a:r>
-              <a:rPr lang="en-US" dirty="0"/>
-              <a:t>It is mostly like a deck, it is a set of cards. </a:t>
-            </a:r>
-          </a:p>
-          <a:p>
-            <a:pPr lvl="1"/>
-            <a:r>
-              <a:rPr lang="en-US" dirty="0"/>
-              <a:t>A hand is different primarily because we want to add value of that hand, for poker. </a:t>
-            </a:r>
-          </a:p>
-          <a:p>
-            <a:pPr lvl="1"/>
-            <a:r>
-              <a:rPr lang="en-US" dirty="0"/>
-              <a:t>So we are making something that has Deck parts to hold cards, and Hand parts to have meaning. </a:t>
-            </a:r>
-          </a:p>
-          <a:p>
-            <a:pPr lvl="1"/>
-            <a:r>
-              <a:rPr lang="en-US" dirty="0"/>
-              <a:t>The Hand class needs to add value calculations and comparisons. </a:t>
-            </a:r>
-          </a:p>
-          <a:p>
-            <a:r>
-              <a:rPr lang="en-US" dirty="0"/>
-              <a:t>* I really should have named this class </a:t>
-            </a:r>
-            <a:r>
-              <a:rPr lang="en-US" dirty="0" err="1"/>
-              <a:t>PokerHand</a:t>
-            </a:r>
-            <a:r>
-              <a:rPr lang="en-US" dirty="0"/>
-              <a:t> not just Hand. We can have a </a:t>
-            </a:r>
-            <a:r>
-              <a:rPr lang="en-US" dirty="0" err="1"/>
-              <a:t>BridgeHand</a:t>
-            </a:r>
-            <a:r>
-              <a:rPr lang="en-US" dirty="0"/>
-              <a:t>, a </a:t>
-            </a:r>
-            <a:r>
-              <a:rPr lang="en-US" dirty="0" err="1"/>
-              <a:t>BlackjackHand</a:t>
-            </a:r>
-            <a:r>
-              <a:rPr lang="en-US" dirty="0"/>
-              <a:t>, </a:t>
-            </a:r>
-            <a:r>
-              <a:rPr lang="en-US" dirty="0" err="1"/>
-              <a:t>etc</a:t>
-            </a:r>
-            <a:r>
-              <a:rPr lang="en-US" dirty="0"/>
-              <a:t>… with the same logic. </a:t>
-            </a:r>
-          </a:p>
-          <a:p>
-            <a:pPr lvl="1"/>
-            <a:r>
-              <a:rPr lang="en-US" dirty="0"/>
-              <a:t>Maybe if there are different games, we can look back at the deck class later for some modifications…</a:t>
+              <a:t>Our deck should deal out cards when we ask for them by the deal() function. </a:t>
+            </a:r>
+          </a:p>
+          <a:p>
+            <a:pPr lvl="1"/>
+            <a:r>
+              <a:rPr lang="en-US" dirty="0"/>
+              <a:t>Inputs – the number of hands and cards per hand. </a:t>
+            </a:r>
+          </a:p>
+          <a:p>
+            <a:pPr lvl="1"/>
+            <a:r>
+              <a:rPr lang="en-US" dirty="0"/>
+              <a:t>Output – a list of Hands of cards that were removed from the deck. </a:t>
+            </a:r>
+          </a:p>
+          <a:p>
+            <a:r>
+              <a:rPr lang="en-US" dirty="0"/>
+              <a:t>Step one – can I pull some Cards from the deck?</a:t>
+            </a:r>
+          </a:p>
+          <a:p>
+            <a:pPr lvl="1"/>
+            <a:r>
+              <a:rPr lang="en-US" dirty="0"/>
+              <a:t>Use only the number of cards, and only worry about one hand. </a:t>
+            </a:r>
+          </a:p>
+          <a:p>
+            <a:pPr lvl="1"/>
+            <a:r>
+              <a:rPr lang="en-US" dirty="0"/>
+              <a:t>Attempt to pull that number of cards, and print them and/or return them as a list. </a:t>
+            </a:r>
+          </a:p>
+          <a:p>
+            <a:pPr lvl="1"/>
+            <a:r>
+              <a:rPr lang="en-US" dirty="0"/>
+              <a:t>Check and see that they are actually removed from the deck. </a:t>
+            </a:r>
+          </a:p>
+          <a:p>
+            <a:r>
+              <a:rPr lang="en-US" dirty="0"/>
+              <a:t>Step two – can I pull several sets of cards from the deck. </a:t>
+            </a:r>
+          </a:p>
+          <a:p>
+            <a:pPr lvl="1"/>
+            <a:r>
+              <a:rPr lang="en-US" dirty="0"/>
+              <a:t>Use the number of cards and number of hands to pull the total number of cards. (2 loops?)</a:t>
+            </a:r>
+          </a:p>
+          <a:p>
+            <a:pPr lvl="1"/>
+            <a:r>
+              <a:rPr lang="en-US" dirty="0"/>
+              <a:t>Construct them into a list of lists for printing/returning. </a:t>
             </a:r>
           </a:p>
         </p:txBody>
@@ -4357,7 +4430,7 @@
     </p:spTree>
     <p:extLst>
       <p:ext uri="{BB962C8B-B14F-4D97-AF65-F5344CB8AC3E}">
-        <p14:creationId xmlns:p14="http://schemas.microsoft.com/office/powerpoint/2010/main" val="3255357034"/>
+        <p14:creationId xmlns:p14="http://schemas.microsoft.com/office/powerpoint/2010/main" val="170558196"/>
       </p:ext>
     </p:extLst>
   </p:cSld>
@@ -4368,7 +4441,7 @@
 </file>
 
 <file path=ppt/slides/slide14.xml><?xml version="1.0" encoding="utf-8"?>
-<p:sld xmlns:a="http://schemas.openxmlformats.org/drawingml/2006/main" xmlns:r="http://schemas.openxmlformats.org/officeDocument/2006/relationships" xmlns:p="http://schemas.openxmlformats.org/presentationml/2006/main">
+<p:sld xmlns:a="http://schemas.openxmlformats.org/drawingml/2006/main" xmlns:r="http://schemas.openxmlformats.org/officeDocument/2006/relationships" xmlns:p="http://schemas.openxmlformats.org/presentationml/2006/main" show="0">
   <p:cSld>
     <p:spTree>
       <p:nvGrpSpPr>
@@ -4389,7 +4462,7 @@
           <p:cNvPr id="2" name="Title 1">
             <a:extLst>
               <a:ext uri="{FF2B5EF4-FFF2-40B4-BE49-F238E27FC236}">
-                <a16:creationId xmlns:a16="http://schemas.microsoft.com/office/drawing/2014/main" id="{D522BA6D-B2D2-FFA1-17FE-15349CF686F9}"/>
+                <a16:creationId xmlns:a16="http://schemas.microsoft.com/office/drawing/2014/main" id="{F4A1819E-FC22-5BB8-D43D-54EE2E1CF6A4}"/>
               </a:ext>
             </a:extLst>
           </p:cNvPr>
@@ -4407,7 +4480,7 @@
           <a:p>
             <a:r>
               <a:rPr lang="en-US" dirty="0"/>
-              <a:t>Hand Value and Comparisons</a:t>
+              <a:t>Cont.</a:t>
             </a:r>
           </a:p>
         </p:txBody>
@@ -4417,7 +4490,7 @@
           <p:cNvPr id="3" name="Content Placeholder 2">
             <a:extLst>
               <a:ext uri="{FF2B5EF4-FFF2-40B4-BE49-F238E27FC236}">
-                <a16:creationId xmlns:a16="http://schemas.microsoft.com/office/drawing/2014/main" id="{5619CD43-C8B9-5CF4-B277-3AD80301A488}"/>
+                <a16:creationId xmlns:a16="http://schemas.microsoft.com/office/drawing/2014/main" id="{2B05AFE1-F525-D846-3909-EC7791834A3E}"/>
               </a:ext>
             </a:extLst>
           </p:cNvPr>
@@ -4430,8 +4503,8 @@
         </p:nvSpPr>
         <p:spPr>
           <a:xfrm>
-            <a:off x="1451579" y="2015732"/>
-            <a:ext cx="9603275" cy="4037749"/>
+            <a:off x="785191" y="1853754"/>
+            <a:ext cx="10475844" cy="4199727"/>
           </a:xfrm>
         </p:spPr>
         <p:txBody>
@@ -4440,69 +4513,61 @@
           <a:p>
             <a:r>
               <a:rPr lang="en-US" dirty="0"/>
-              <a:t>When comparing poker hands, we need to use the poker hand values. </a:t>
-            </a:r>
-          </a:p>
-          <a:p>
-            <a:pPr lvl="1"/>
-            <a:r>
-              <a:rPr lang="en-US" dirty="0"/>
-              <a:t>E.g. full house, flush, straight, </a:t>
-            </a:r>
-            <a:r>
-              <a:rPr lang="en-US" dirty="0" err="1"/>
-              <a:t>etc</a:t>
-            </a:r>
-            <a:r>
-              <a:rPr lang="en-US" dirty="0"/>
-              <a:t>…</a:t>
-            </a:r>
-          </a:p>
-          <a:p>
-            <a:r>
-              <a:rPr lang="en-US" dirty="0"/>
-              <a:t>This is somewhat complex – there’s lots of hands, tie breakers, </a:t>
-            </a:r>
-            <a:r>
-              <a:rPr lang="en-US" dirty="0" err="1"/>
-              <a:t>etc</a:t>
-            </a:r>
-            <a:r>
-              <a:rPr lang="en-US" dirty="0"/>
-              <a:t>…</a:t>
-            </a:r>
-          </a:p>
-          <a:p>
-            <a:r>
-              <a:rPr lang="en-US" dirty="0"/>
-              <a:t>The idea of it is very simple though, one hand is greater than another. </a:t>
-            </a:r>
-          </a:p>
-          <a:p>
-            <a:r>
-              <a:rPr lang="en-US" dirty="0"/>
-              <a:t>Simplification for us:</a:t>
-            </a:r>
-          </a:p>
-          <a:p>
-            <a:pPr lvl="1"/>
-            <a:r>
-              <a:rPr lang="en-US" dirty="0"/>
-              <a:t>Build the framework to compare hands to each other and determine winners. </a:t>
-            </a:r>
-          </a:p>
-          <a:p>
-            <a:pPr lvl="1"/>
-            <a:r>
-              <a:rPr lang="en-US" dirty="0"/>
-              <a:t>The logic for generating those values doesn’t need to be accurate or complete. </a:t>
-            </a:r>
-          </a:p>
-          <a:p>
-            <a:pPr lvl="1"/>
-            <a:r>
-              <a:rPr lang="en-US" dirty="0"/>
-              <a:t>I.e. we can build a simple version of scoring, use it to make the comparison logic, then that scoring logic can be expanded to match the full rules of poker!</a:t>
+              <a:t>Step 3 – Can I construct Decks instead of lists to return. </a:t>
+            </a:r>
+          </a:p>
+          <a:p>
+            <a:pPr lvl="1"/>
+            <a:r>
+              <a:rPr lang="en-US" dirty="0"/>
+              <a:t>Change the step where each “hand” is assembled into it’s (inner) list into the construction of a new deck with those same cards. </a:t>
+            </a:r>
+          </a:p>
+          <a:p>
+            <a:pPr lvl="1"/>
+            <a:r>
+              <a:rPr lang="en-US" dirty="0"/>
+              <a:t>Print the Decks (we did the str) to make sure that we have the correct things. </a:t>
+            </a:r>
+          </a:p>
+          <a:p>
+            <a:r>
+              <a:rPr lang="en-US" dirty="0"/>
+              <a:t>Step 4 – Construct the final return value, and test different scenarios. </a:t>
+            </a:r>
+          </a:p>
+          <a:p>
+            <a:pPr lvl="1"/>
+            <a:r>
+              <a:rPr lang="en-US" dirty="0"/>
+              <a:t>Make the final return value into the desired format, test different numbers. </a:t>
+            </a:r>
+          </a:p>
+          <a:p>
+            <a:pPr lvl="1"/>
+            <a:r>
+              <a:rPr lang="en-US" dirty="0"/>
+              <a:t>I printed the deck before, hands, and the deck after, and checked for # of items and a few specifics. </a:t>
+            </a:r>
+          </a:p>
+          <a:p>
+            <a:r>
+              <a:rPr lang="en-US" dirty="0"/>
+              <a:t>Each step here is really only pushing us a little closer to the goal. </a:t>
+            </a:r>
+          </a:p>
+          <a:p>
+            <a:pPr lvl="1"/>
+            <a:r>
+              <a:rPr lang="en-US" dirty="0"/>
+              <a:t>We have a constantly evolving “outcome” that we can verify at each step. </a:t>
+            </a:r>
+          </a:p>
+          <a:p>
+            <a:pPr lvl="1"/>
+            <a:r>
+              <a:rPr lang="en-US" dirty="0"/>
+              <a:t>When something fails, it is easy to pinpoint where that failure is. </a:t>
             </a:r>
           </a:p>
         </p:txBody>
@@ -4510,7 +4575,7 @@
     </p:spTree>
     <p:extLst>
       <p:ext uri="{BB962C8B-B14F-4D97-AF65-F5344CB8AC3E}">
-        <p14:creationId xmlns:p14="http://schemas.microsoft.com/office/powerpoint/2010/main" val="2871315696"/>
+        <p14:creationId xmlns:p14="http://schemas.microsoft.com/office/powerpoint/2010/main" val="452433239"/>
       </p:ext>
     </p:extLst>
   </p:cSld>
@@ -4542,7 +4607,7 @@
           <p:cNvPr id="2" name="Title 1">
             <a:extLst>
               <a:ext uri="{FF2B5EF4-FFF2-40B4-BE49-F238E27FC236}">
-                <a16:creationId xmlns:a16="http://schemas.microsoft.com/office/drawing/2014/main" id="{059760BF-563A-D3AA-FFA5-A3CED7E4B047}"/>
+                <a16:creationId xmlns:a16="http://schemas.microsoft.com/office/drawing/2014/main" id="{D9FA2F5C-2A66-F8F8-9F76-2C8675D18116}"/>
               </a:ext>
             </a:extLst>
           </p:cNvPr>
@@ -4559,12 +4624,8 @@
           <a:lstStyle/>
           <a:p>
             <a:r>
-              <a:rPr lang="en-US" dirty="0" err="1"/>
-              <a:t>Cont</a:t>
-            </a:r>
-            <a:r>
-              <a:rPr lang="en-US" dirty="0"/>
-              <a:t>…</a:t>
+              <a:rPr lang="en-US" dirty="0"/>
+              <a:t>Inherit from the Deck</a:t>
             </a:r>
           </a:p>
         </p:txBody>
@@ -4574,7 +4635,7 @@
           <p:cNvPr id="3" name="Content Placeholder 2">
             <a:extLst>
               <a:ext uri="{FF2B5EF4-FFF2-40B4-BE49-F238E27FC236}">
-                <a16:creationId xmlns:a16="http://schemas.microsoft.com/office/drawing/2014/main" id="{6D0F7082-4424-7D2D-29EA-3D5D21AA020F}"/>
+                <a16:creationId xmlns:a16="http://schemas.microsoft.com/office/drawing/2014/main" id="{8CE84111-3C30-8DD9-90D2-E9F6DB0294D9}"/>
               </a:ext>
             </a:extLst>
           </p:cNvPr>
@@ -4587,8 +4648,8 @@
         </p:nvSpPr>
         <p:spPr>
           <a:xfrm>
-            <a:off x="1451579" y="1853754"/>
-            <a:ext cx="9603275" cy="4288629"/>
+            <a:off x="1103243" y="1948070"/>
+            <a:ext cx="10177670" cy="4105411"/>
           </a:xfrm>
         </p:spPr>
         <p:txBody>
@@ -4597,81 +4658,88 @@
           <a:p>
             <a:r>
               <a:rPr lang="en-US" dirty="0"/>
-              <a:t>Initial scoring logic. </a:t>
-            </a:r>
-          </a:p>
-          <a:p>
-            <a:pPr lvl="1"/>
-            <a:r>
-              <a:rPr lang="en-US" dirty="0"/>
-              <a:t>Poker has lots of hands, and many are weird. We can make our initial scoring logic simple. </a:t>
-            </a:r>
-          </a:p>
-          <a:p>
-            <a:pPr lvl="1"/>
-            <a:r>
-              <a:rPr lang="en-US" dirty="0"/>
-              <a:t>Consider pairs, flush (all same suit). </a:t>
-            </a:r>
-          </a:p>
-          <a:p>
-            <a:r>
-              <a:rPr lang="en-US" dirty="0"/>
-              <a:t>This logic will rank these subset of hands against each other, so that </a:t>
+              <a:t>We also want to make a subclass of the deck, a (poker*) Hand. </a:t>
+            </a:r>
+          </a:p>
+          <a:p>
+            <a:pPr lvl="1"/>
+            <a:r>
+              <a:rPr lang="en-US" dirty="0"/>
+              <a:t>It is mostly like a deck, it is a set of cards. </a:t>
+            </a:r>
+          </a:p>
+          <a:p>
+            <a:pPr lvl="1"/>
+            <a:r>
+              <a:rPr lang="en-US" dirty="0"/>
+              <a:t>A hand is different primarily because we want to add value of that hand, for poker. </a:t>
+            </a:r>
+          </a:p>
+          <a:p>
+            <a:pPr lvl="1"/>
+            <a:r>
+              <a:rPr lang="en-US" dirty="0"/>
+              <a:t>So we are making something that has Deck parts to hold cards, and Hand parts to have meaning. </a:t>
+            </a:r>
+          </a:p>
+          <a:p>
+            <a:pPr lvl="1"/>
+            <a:r>
+              <a:rPr lang="en-US" dirty="0"/>
+              <a:t>The Hand class needs to add value calculations and comparisons. </a:t>
+            </a:r>
+          </a:p>
+          <a:p>
+            <a:r>
+              <a:rPr lang="en-US" dirty="0"/>
+              <a:t>* I really should have named this class </a:t>
             </a:r>
             <a:r>
               <a:rPr lang="en-US" dirty="0" err="1"/>
-              <a:t>lt</a:t>
-            </a:r>
-            <a:r>
-              <a:rPr lang="en-US" dirty="0"/>
-              <a:t>/</a:t>
+              <a:t>PokerHand</a:t>
+            </a:r>
+            <a:r>
+              <a:rPr lang="en-US" dirty="0"/>
+              <a:t> not just Hand. We can have a </a:t>
             </a:r>
             <a:r>
               <a:rPr lang="en-US" dirty="0" err="1"/>
-              <a:t>gt</a:t>
-            </a:r>
-            <a:r>
-              <a:rPr lang="en-US" dirty="0"/>
-              <a:t>/eq work. </a:t>
-            </a:r>
-          </a:p>
-          <a:p>
-            <a:r>
-              <a:rPr lang="en-US" dirty="0"/>
-              <a:t>When the scoring logic changes, the comparison logic doesn’t need to. </a:t>
-            </a:r>
-          </a:p>
-          <a:p>
-            <a:pPr lvl="1"/>
-            <a:r>
-              <a:rPr lang="en-US" dirty="0"/>
-              <a:t>The comparison just checks which is better, the “better” is provided by the scoring part, and the two can function mostly independently. </a:t>
-            </a:r>
-          </a:p>
-          <a:p>
-            <a:pPr lvl="1"/>
-            <a:r>
-              <a:rPr lang="en-US" dirty="0"/>
-              <a:t>In different games, the comparison logic might be the same there too…</a:t>
-            </a:r>
-          </a:p>
-          <a:p>
-            <a:r>
-              <a:rPr lang="en-US" dirty="0"/>
-              <a:t>We can avoid getting bogged down in the complex details of every poker hand. </a:t>
-            </a:r>
-          </a:p>
-          <a:p>
-            <a:pPr lvl="1"/>
-            <a:endParaRPr lang="en-US" dirty="0"/>
+              <a:t>BridgeHand</a:t>
+            </a:r>
+            <a:r>
+              <a:rPr lang="en-US" dirty="0"/>
+              <a:t>, a </a:t>
+            </a:r>
+            <a:r>
+              <a:rPr lang="en-US" dirty="0" err="1"/>
+              <a:t>BlackjackHand</a:t>
+            </a:r>
+            <a:r>
+              <a:rPr lang="en-US" dirty="0"/>
+              <a:t>, </a:t>
+            </a:r>
+            <a:r>
+              <a:rPr lang="en-US" dirty="0" err="1"/>
+              <a:t>etc</a:t>
+            </a:r>
+            <a:r>
+              <a:rPr lang="en-US" dirty="0"/>
+              <a:t>… with the same logic. </a:t>
+            </a:r>
+          </a:p>
+          <a:p>
+            <a:pPr lvl="1"/>
+            <a:r>
+              <a:rPr lang="en-US" dirty="0"/>
+              <a:t>Maybe if there are different games, we can look back at the deck class later for some modifications…</a:t>
+            </a:r>
           </a:p>
         </p:txBody>
       </p:sp>
     </p:spTree>
     <p:extLst>
       <p:ext uri="{BB962C8B-B14F-4D97-AF65-F5344CB8AC3E}">
-        <p14:creationId xmlns:p14="http://schemas.microsoft.com/office/powerpoint/2010/main" val="291891556"/>
+        <p14:creationId xmlns:p14="http://schemas.microsoft.com/office/powerpoint/2010/main" val="3255357034"/>
       </p:ext>
     </p:extLst>
   </p:cSld>
@@ -4703,7 +4771,7 @@
           <p:cNvPr id="2" name="Title 1">
             <a:extLst>
               <a:ext uri="{FF2B5EF4-FFF2-40B4-BE49-F238E27FC236}">
-                <a16:creationId xmlns:a16="http://schemas.microsoft.com/office/drawing/2014/main" id="{1236CF7F-F954-FBB5-BA4A-33351D726453}"/>
+                <a16:creationId xmlns:a16="http://schemas.microsoft.com/office/drawing/2014/main" id="{D522BA6D-B2D2-FFA1-17FE-15349CF686F9}"/>
               </a:ext>
             </a:extLst>
           </p:cNvPr>
@@ -4721,7 +4789,7 @@
           <a:p>
             <a:r>
               <a:rPr lang="en-US" dirty="0"/>
-              <a:t>Hands</a:t>
+              <a:t>Hand Value and Comparisons</a:t>
             </a:r>
           </a:p>
         </p:txBody>
@@ -4731,7 +4799,7 @@
           <p:cNvPr id="3" name="Content Placeholder 2">
             <a:extLst>
               <a:ext uri="{FF2B5EF4-FFF2-40B4-BE49-F238E27FC236}">
-                <a16:creationId xmlns:a16="http://schemas.microsoft.com/office/drawing/2014/main" id="{6BCEDCF9-02D2-366B-F279-B8EF6DC8C6EF}"/>
+                <a16:creationId xmlns:a16="http://schemas.microsoft.com/office/drawing/2014/main" id="{5619CD43-C8B9-5CF4-B277-3AD80301A488}"/>
               </a:ext>
             </a:extLst>
           </p:cNvPr>
@@ -4744,34 +4812,29 @@
         </p:nvSpPr>
         <p:spPr>
           <a:xfrm>
-            <a:off x="1451579" y="1928192"/>
-            <a:ext cx="9603275" cy="4125290"/>
+            <a:off x="1451579" y="2015732"/>
+            <a:ext cx="9603275" cy="4037749"/>
           </a:xfrm>
         </p:spPr>
         <p:txBody>
-          <a:bodyPr>
-            <a:normAutofit lnSpcReduction="10000"/>
-          </a:bodyPr>
-          <a:lstStyle/>
-          <a:p>
-            <a:r>
-              <a:rPr lang="en-US" dirty="0"/>
-              <a:t>Can we do a comparison, with dummy values? </a:t>
-            </a:r>
-          </a:p>
-          <a:p>
-            <a:r>
-              <a:rPr lang="en-US" dirty="0"/>
-              <a:t>Can we do a comparison, with values coming from some toy function?</a:t>
-            </a:r>
-          </a:p>
-          <a:p>
-            <a:r>
-              <a:rPr lang="en-US" dirty="0"/>
-              <a:t>Can we do a comparison, with values coming from our simple function?</a:t>
-            </a:r>
-          </a:p>
-          <a:p>
+          <a:bodyPr/>
+          <a:lstStyle/>
+          <a:p>
+            <a:r>
+              <a:rPr lang="en-US" dirty="0"/>
+              <a:t>When comparing poker hands, we need to use the poker hand values. </a:t>
+            </a:r>
+          </a:p>
+          <a:p>
+            <a:pPr lvl="1"/>
+            <a:r>
+              <a:rPr lang="en-US" dirty="0"/>
+              <a:t>E.g. full house, flush, straight, </a:t>
+            </a:r>
+            <a:r>
+              <a:rPr lang="en-US" dirty="0" err="1"/>
+              <a:t>etc</a:t>
+            </a:r>
             <a:r>
               <a:rPr lang="en-US" dirty="0"/>
               <a:t>…</a:t>
@@ -4780,33 +4843,48 @@
           <a:p>
             <a:r>
               <a:rPr lang="en-US" dirty="0"/>
-              <a:t>Can we do a comparison, with values coming from a full poker hand value function?</a:t>
-            </a:r>
-          </a:p>
-          <a:p>
-            <a:r>
-              <a:rPr lang="en-US" dirty="0"/>
-              <a:t>Once our comparisons work (not necessarily finished), other stuff will start to. </a:t>
-            </a:r>
-          </a:p>
-          <a:p>
-            <a:pPr lvl="1"/>
-            <a:r>
-              <a:rPr lang="en-US" dirty="0"/>
-              <a:t>We can sort hands to determine their order, such as for the winner of something. </a:t>
-            </a:r>
-          </a:p>
-          <a:p>
-            <a:pPr lvl="1"/>
-            <a:r>
-              <a:rPr lang="en-US" dirty="0"/>
-              <a:t>We don’t need a special “winner*” function, the basic sorting things will do it. </a:t>
-            </a:r>
-          </a:p>
-          <a:p>
-            <a:r>
-              <a:rPr lang="en-US" dirty="0"/>
-              <a:t>*Poker can have split pots in ties, so this is one ignored consideration we’d need in reality. </a:t>
+              <a:t>This is somewhat complex – there’s lots of hands, tie breakers, </a:t>
+            </a:r>
+            <a:r>
+              <a:rPr lang="en-US" dirty="0" err="1"/>
+              <a:t>etc</a:t>
+            </a:r>
+            <a:r>
+              <a:rPr lang="en-US" dirty="0"/>
+              <a:t>…</a:t>
+            </a:r>
+          </a:p>
+          <a:p>
+            <a:r>
+              <a:rPr lang="en-US" dirty="0"/>
+              <a:t>The idea of it is very simple though, one hand is greater than another. </a:t>
+            </a:r>
+          </a:p>
+          <a:p>
+            <a:r>
+              <a:rPr lang="en-US" dirty="0"/>
+              <a:t>Simplification for us:</a:t>
+            </a:r>
+          </a:p>
+          <a:p>
+            <a:pPr lvl="1"/>
+            <a:r>
+              <a:rPr lang="en-US" dirty="0"/>
+              <a:t>Build the framework to compare hands to each other and determine winners. </a:t>
+            </a:r>
+          </a:p>
+          <a:p>
+            <a:pPr lvl="1"/>
+            <a:r>
+              <a:rPr lang="en-US" dirty="0"/>
+              <a:t>The logic for generating those values doesn’t need to be accurate or complete. </a:t>
+            </a:r>
+          </a:p>
+          <a:p>
+            <a:pPr lvl="1"/>
+            <a:r>
+              <a:rPr lang="en-US" dirty="0"/>
+              <a:t>I.e. we can build a simple version of scoring, use it to make the comparison logic, then that scoring logic can be expanded to match the full rules of poker!</a:t>
             </a:r>
           </a:p>
         </p:txBody>
@@ -4814,7 +4892,7 @@
     </p:spTree>
     <p:extLst>
       <p:ext uri="{BB962C8B-B14F-4D97-AF65-F5344CB8AC3E}">
-        <p14:creationId xmlns:p14="http://schemas.microsoft.com/office/powerpoint/2010/main" val="541140375"/>
+        <p14:creationId xmlns:p14="http://schemas.microsoft.com/office/powerpoint/2010/main" val="2871315696"/>
       </p:ext>
     </p:extLst>
   </p:cSld>
@@ -4846,7 +4924,7 @@
           <p:cNvPr id="2" name="Title 1">
             <a:extLst>
               <a:ext uri="{FF2B5EF4-FFF2-40B4-BE49-F238E27FC236}">
-                <a16:creationId xmlns:a16="http://schemas.microsoft.com/office/drawing/2014/main" id="{56A4B07D-79F5-B470-23E7-42E503FF9A02}"/>
+                <a16:creationId xmlns:a16="http://schemas.microsoft.com/office/drawing/2014/main" id="{059760BF-563A-D3AA-FFA5-A3CED7E4B047}"/>
               </a:ext>
             </a:extLst>
           </p:cNvPr>
@@ -4863,8 +4941,12 @@
           <a:lstStyle/>
           <a:p>
             <a:r>
-              <a:rPr lang="en-US" dirty="0"/>
-              <a:t>Now let’s Try:</a:t>
+              <a:rPr lang="en-US" dirty="0" err="1"/>
+              <a:t>Cont</a:t>
+            </a:r>
+            <a:r>
+              <a:rPr lang="en-US" dirty="0"/>
+              <a:t>…</a:t>
             </a:r>
           </a:p>
         </p:txBody>
@@ -4874,7 +4956,7 @@
           <p:cNvPr id="3" name="Content Placeholder 2">
             <a:extLst>
               <a:ext uri="{FF2B5EF4-FFF2-40B4-BE49-F238E27FC236}">
-                <a16:creationId xmlns:a16="http://schemas.microsoft.com/office/drawing/2014/main" id="{E2081109-BC74-E389-14DF-799897329E02}"/>
+                <a16:creationId xmlns:a16="http://schemas.microsoft.com/office/drawing/2014/main" id="{6D0F7082-4424-7D2D-29EA-3D5D21AA020F}"/>
               </a:ext>
             </a:extLst>
           </p:cNvPr>
@@ -4888,7 +4970,7 @@
         <p:spPr>
           <a:xfrm>
             <a:off x="1451579" y="1853754"/>
-            <a:ext cx="9603275" cy="4105344"/>
+            <a:ext cx="9603275" cy="4288629"/>
           </a:xfrm>
         </p:spPr>
         <p:txBody>
@@ -4897,71 +4979,73 @@
           <a:p>
             <a:r>
               <a:rPr lang="en-US" dirty="0"/>
-              <a:t>Finalizing the deck (for now) with the constructor and dealing. </a:t>
-            </a:r>
-          </a:p>
-          <a:p>
-            <a:r>
-              <a:rPr lang="en-US" dirty="0"/>
-              <a:t>Create the Hand class. </a:t>
-            </a:r>
-          </a:p>
-          <a:p>
-            <a:pPr lvl="1"/>
-            <a:r>
-              <a:rPr lang="en-US" dirty="0"/>
-              <a:t>Extend the deck to suit the Hand purposes. </a:t>
-            </a:r>
-          </a:p>
-          <a:p>
-            <a:pPr lvl="1"/>
-            <a:r>
-              <a:rPr lang="en-US" dirty="0"/>
-              <a:t>Add scoring so we can determine winner between two hands. </a:t>
-            </a:r>
-          </a:p>
-          <a:p>
-            <a:r>
-              <a:rPr lang="en-US" dirty="0"/>
-              <a:t>Create a Game class.</a:t>
-            </a:r>
-          </a:p>
-          <a:p>
-            <a:pPr lvl="1"/>
-            <a:r>
-              <a:rPr lang="en-US" dirty="0"/>
-              <a:t>The Game class holds the body of the game – make players, deal cards, other stuff like bets…</a:t>
-            </a:r>
-          </a:p>
-          <a:p>
-            <a:pPr lvl="1"/>
-            <a:r>
-              <a:rPr lang="en-US" dirty="0"/>
-              <a:t>Build a simple, one-step, game. We want to deal cards and find a winner. </a:t>
-            </a:r>
-          </a:p>
-          <a:p>
-            <a:pPr lvl="1"/>
-            <a:r>
-              <a:rPr lang="en-US" dirty="0"/>
-              <a:t>This will give us a working, but pretty bad, game. </a:t>
-            </a:r>
-          </a:p>
-          <a:p>
-            <a:r>
-              <a:rPr lang="en-US" dirty="0"/>
-              <a:t>Later on, we can add the other parts – betting, card swaps, </a:t>
+              <a:t>Initial scoring logic. </a:t>
+            </a:r>
+          </a:p>
+          <a:p>
+            <a:pPr lvl="1"/>
+            <a:r>
+              <a:rPr lang="en-US" dirty="0"/>
+              <a:t>Poker has lots of hands, and many are weird. We can make our initial scoring logic simple. </a:t>
+            </a:r>
+          </a:p>
+          <a:p>
+            <a:pPr lvl="1"/>
+            <a:r>
+              <a:rPr lang="en-US" dirty="0"/>
+              <a:t>Consider pairs, flush (all same suit). </a:t>
+            </a:r>
+          </a:p>
+          <a:p>
+            <a:r>
+              <a:rPr lang="en-US" dirty="0"/>
+              <a:t>This logic will rank these subset of hands against each other, so that </a:t>
             </a:r>
             <a:r>
               <a:rPr lang="en-US" dirty="0" err="1"/>
-              <a:t>etc</a:t>
-            </a:r>
-            <a:r>
-              <a:rPr lang="en-US" dirty="0"/>
-              <a:t>…</a:t>
-            </a:r>
-          </a:p>
-          <a:p>
+              <a:t>lt</a:t>
+            </a:r>
+            <a:r>
+              <a:rPr lang="en-US" dirty="0"/>
+              <a:t>/</a:t>
+            </a:r>
+            <a:r>
+              <a:rPr lang="en-US" dirty="0" err="1"/>
+              <a:t>gt</a:t>
+            </a:r>
+            <a:r>
+              <a:rPr lang="en-US" dirty="0"/>
+              <a:t>/eq work. </a:t>
+            </a:r>
+          </a:p>
+          <a:p>
+            <a:r>
+              <a:rPr lang="en-US" dirty="0"/>
+              <a:t>When the scoring logic changes, the comparison logic doesn’t need to. </a:t>
+            </a:r>
+          </a:p>
+          <a:p>
+            <a:pPr lvl="1"/>
+            <a:r>
+              <a:rPr lang="en-US" dirty="0"/>
+              <a:t>The comparison just checks which is better, the “better” is provided by the scoring part, and the two can function mostly independently. </a:t>
+            </a:r>
+          </a:p>
+          <a:p>
+            <a:pPr lvl="1"/>
+            <a:r>
+              <a:rPr lang="en-US" dirty="0"/>
+              <a:t>In different games, the comparison logic might be the same there too…</a:t>
+            </a:r>
+          </a:p>
+          <a:p>
+            <a:r>
+              <a:rPr lang="en-US" dirty="0"/>
+              <a:t>We can avoid getting bogged down in the complex details of every poker hand. </a:t>
+            </a:r>
+          </a:p>
+          <a:p>
+            <a:pPr lvl="1"/>
             <a:endParaRPr lang="en-US" dirty="0"/>
           </a:p>
         </p:txBody>
@@ -4969,7 +5053,7 @@
     </p:spTree>
     <p:extLst>
       <p:ext uri="{BB962C8B-B14F-4D97-AF65-F5344CB8AC3E}">
-        <p14:creationId xmlns:p14="http://schemas.microsoft.com/office/powerpoint/2010/main" val="3597032731"/>
+        <p14:creationId xmlns:p14="http://schemas.microsoft.com/office/powerpoint/2010/main" val="291891556"/>
       </p:ext>
     </p:extLst>
   </p:cSld>
@@ -5001,6 +5085,387 @@
           <p:cNvPr id="2" name="Title 1">
             <a:extLst>
               <a:ext uri="{FF2B5EF4-FFF2-40B4-BE49-F238E27FC236}">
+                <a16:creationId xmlns:a16="http://schemas.microsoft.com/office/drawing/2014/main" id="{1236CF7F-F954-FBB5-BA4A-33351D726453}"/>
+              </a:ext>
+            </a:extLst>
+          </p:cNvPr>
+          <p:cNvSpPr>
+            <a:spLocks noGrp="1"/>
+          </p:cNvSpPr>
+          <p:nvPr>
+            <p:ph type="title"/>
+          </p:nvPr>
+        </p:nvSpPr>
+        <p:spPr/>
+        <p:txBody>
+          <a:bodyPr/>
+          <a:lstStyle/>
+          <a:p>
+            <a:r>
+              <a:rPr lang="en-US" dirty="0"/>
+              <a:t>Hands</a:t>
+            </a:r>
+          </a:p>
+        </p:txBody>
+      </p:sp>
+      <p:sp>
+        <p:nvSpPr>
+          <p:cNvPr id="3" name="Content Placeholder 2">
+            <a:extLst>
+              <a:ext uri="{FF2B5EF4-FFF2-40B4-BE49-F238E27FC236}">
+                <a16:creationId xmlns:a16="http://schemas.microsoft.com/office/drawing/2014/main" id="{6BCEDCF9-02D2-366B-F279-B8EF6DC8C6EF}"/>
+              </a:ext>
+            </a:extLst>
+          </p:cNvPr>
+          <p:cNvSpPr>
+            <a:spLocks noGrp="1"/>
+          </p:cNvSpPr>
+          <p:nvPr>
+            <p:ph idx="1"/>
+          </p:nvPr>
+        </p:nvSpPr>
+        <p:spPr>
+          <a:xfrm>
+            <a:off x="1451579" y="1928192"/>
+            <a:ext cx="9603275" cy="4125290"/>
+          </a:xfrm>
+        </p:spPr>
+        <p:txBody>
+          <a:bodyPr>
+            <a:normAutofit lnSpcReduction="10000"/>
+          </a:bodyPr>
+          <a:lstStyle/>
+          <a:p>
+            <a:r>
+              <a:rPr lang="en-US" dirty="0"/>
+              <a:t>Can we do a comparison, with dummy values? </a:t>
+            </a:r>
+          </a:p>
+          <a:p>
+            <a:r>
+              <a:rPr lang="en-US" dirty="0"/>
+              <a:t>Can we do a comparison, with values coming from some toy function?</a:t>
+            </a:r>
+          </a:p>
+          <a:p>
+            <a:r>
+              <a:rPr lang="en-US" dirty="0"/>
+              <a:t>Can we do a comparison, with values coming from our simple function?</a:t>
+            </a:r>
+          </a:p>
+          <a:p>
+            <a:r>
+              <a:rPr lang="en-US" dirty="0"/>
+              <a:t>…</a:t>
+            </a:r>
+          </a:p>
+          <a:p>
+            <a:r>
+              <a:rPr lang="en-US" dirty="0"/>
+              <a:t>Can we do a comparison, with values coming from a full poker hand value function?</a:t>
+            </a:r>
+          </a:p>
+          <a:p>
+            <a:r>
+              <a:rPr lang="en-US" dirty="0"/>
+              <a:t>Once our comparisons work (not necessarily finished), other stuff will start to. </a:t>
+            </a:r>
+          </a:p>
+          <a:p>
+            <a:pPr lvl="1"/>
+            <a:r>
+              <a:rPr lang="en-US" dirty="0"/>
+              <a:t>We can sort hands to determine their order, such as for the winner of something. </a:t>
+            </a:r>
+          </a:p>
+          <a:p>
+            <a:pPr lvl="1"/>
+            <a:r>
+              <a:rPr lang="en-US" dirty="0"/>
+              <a:t>We don’t need a special “winner*” function, the basic sorting things will do it. </a:t>
+            </a:r>
+          </a:p>
+          <a:p>
+            <a:r>
+              <a:rPr lang="en-US" dirty="0"/>
+              <a:t>*Poker can have split pots in ties, so this is one ignored consideration we’d need in reality. </a:t>
+            </a:r>
+          </a:p>
+        </p:txBody>
+      </p:sp>
+    </p:spTree>
+    <p:extLst>
+      <p:ext uri="{BB962C8B-B14F-4D97-AF65-F5344CB8AC3E}">
+        <p14:creationId xmlns:p14="http://schemas.microsoft.com/office/powerpoint/2010/main" val="541140375"/>
+      </p:ext>
+    </p:extLst>
+  </p:cSld>
+  <p:clrMapOvr>
+    <a:masterClrMapping/>
+  </p:clrMapOvr>
+</p:sld>
+</file>
+
+<file path=ppt/slides/slide19.xml><?xml version="1.0" encoding="utf-8"?>
+<p:sld xmlns:a="http://schemas.openxmlformats.org/drawingml/2006/main" xmlns:r="http://schemas.openxmlformats.org/officeDocument/2006/relationships" xmlns:p="http://schemas.openxmlformats.org/presentationml/2006/main">
+  <p:cSld>
+    <p:spTree>
+      <p:nvGrpSpPr>
+        <p:cNvPr id="1" name=""/>
+        <p:cNvGrpSpPr/>
+        <p:nvPr/>
+      </p:nvGrpSpPr>
+      <p:grpSpPr>
+        <a:xfrm>
+          <a:off x="0" y="0"/>
+          <a:ext cx="0" cy="0"/>
+          <a:chOff x="0" y="0"/>
+          <a:chExt cx="0" cy="0"/>
+        </a:xfrm>
+      </p:grpSpPr>
+      <p:sp>
+        <p:nvSpPr>
+          <p:cNvPr id="2" name="Title 1">
+            <a:extLst>
+              <a:ext uri="{FF2B5EF4-FFF2-40B4-BE49-F238E27FC236}">
+                <a16:creationId xmlns:a16="http://schemas.microsoft.com/office/drawing/2014/main" id="{56A4B07D-79F5-B470-23E7-42E503FF9A02}"/>
+              </a:ext>
+            </a:extLst>
+          </p:cNvPr>
+          <p:cNvSpPr>
+            <a:spLocks noGrp="1"/>
+          </p:cNvSpPr>
+          <p:nvPr>
+            <p:ph type="title"/>
+          </p:nvPr>
+        </p:nvSpPr>
+        <p:spPr/>
+        <p:txBody>
+          <a:bodyPr/>
+          <a:lstStyle/>
+          <a:p>
+            <a:r>
+              <a:rPr lang="en-US" dirty="0"/>
+              <a:t>Now let’s Try:</a:t>
+            </a:r>
+          </a:p>
+        </p:txBody>
+      </p:sp>
+      <p:sp>
+        <p:nvSpPr>
+          <p:cNvPr id="3" name="Content Placeholder 2">
+            <a:extLst>
+              <a:ext uri="{FF2B5EF4-FFF2-40B4-BE49-F238E27FC236}">
+                <a16:creationId xmlns:a16="http://schemas.microsoft.com/office/drawing/2014/main" id="{E2081109-BC74-E389-14DF-799897329E02}"/>
+              </a:ext>
+            </a:extLst>
+          </p:cNvPr>
+          <p:cNvSpPr>
+            <a:spLocks noGrp="1"/>
+          </p:cNvSpPr>
+          <p:nvPr>
+            <p:ph idx="1"/>
+          </p:nvPr>
+        </p:nvSpPr>
+        <p:spPr>
+          <a:xfrm>
+            <a:off x="1451579" y="1853754"/>
+            <a:ext cx="9603275" cy="4105344"/>
+          </a:xfrm>
+        </p:spPr>
+        <p:txBody>
+          <a:bodyPr/>
+          <a:lstStyle/>
+          <a:p>
+            <a:r>
+              <a:rPr lang="en-US" dirty="0"/>
+              <a:t>Finalizing the deck (for now) with the constructor and dealing. </a:t>
+            </a:r>
+          </a:p>
+          <a:p>
+            <a:r>
+              <a:rPr lang="en-US" dirty="0"/>
+              <a:t>Create the Hand class. </a:t>
+            </a:r>
+          </a:p>
+          <a:p>
+            <a:pPr lvl="1"/>
+            <a:r>
+              <a:rPr lang="en-US" dirty="0"/>
+              <a:t>Extend the deck to suit the Hand purposes. </a:t>
+            </a:r>
+          </a:p>
+          <a:p>
+            <a:pPr lvl="1"/>
+            <a:r>
+              <a:rPr lang="en-US" dirty="0"/>
+              <a:t>Add scoring so we can determine winner between two hands. </a:t>
+            </a:r>
+          </a:p>
+          <a:p>
+            <a:r>
+              <a:rPr lang="en-US" dirty="0"/>
+              <a:t>Create a Game class.</a:t>
+            </a:r>
+          </a:p>
+          <a:p>
+            <a:pPr lvl="1"/>
+            <a:r>
+              <a:rPr lang="en-US" dirty="0"/>
+              <a:t>The Game class holds the body of the game – make players, deal cards, other stuff like bets…</a:t>
+            </a:r>
+          </a:p>
+          <a:p>
+            <a:pPr lvl="1"/>
+            <a:r>
+              <a:rPr lang="en-US" dirty="0"/>
+              <a:t>Build a simple, one-step, game. We want to deal cards and find a winner. </a:t>
+            </a:r>
+          </a:p>
+          <a:p>
+            <a:pPr lvl="1"/>
+            <a:r>
+              <a:rPr lang="en-US" dirty="0"/>
+              <a:t>This will give us a working, but pretty bad, game. </a:t>
+            </a:r>
+          </a:p>
+          <a:p>
+            <a:r>
+              <a:rPr lang="en-US" dirty="0"/>
+              <a:t>Later on, we can add the other parts – betting, card swaps, </a:t>
+            </a:r>
+            <a:r>
+              <a:rPr lang="en-US" dirty="0" err="1"/>
+              <a:t>etc</a:t>
+            </a:r>
+            <a:r>
+              <a:rPr lang="en-US" dirty="0"/>
+              <a:t>…</a:t>
+            </a:r>
+          </a:p>
+          <a:p>
+            <a:endParaRPr lang="en-US" dirty="0"/>
+          </a:p>
+        </p:txBody>
+      </p:sp>
+    </p:spTree>
+    <p:extLst>
+      <p:ext uri="{BB962C8B-B14F-4D97-AF65-F5344CB8AC3E}">
+        <p14:creationId xmlns:p14="http://schemas.microsoft.com/office/powerpoint/2010/main" val="3597032731"/>
+      </p:ext>
+    </p:extLst>
+  </p:cSld>
+  <p:clrMapOvr>
+    <a:masterClrMapping/>
+  </p:clrMapOvr>
+</p:sld>
+</file>
+
+<file path=ppt/slides/slide2.xml><?xml version="1.0" encoding="utf-8"?>
+<p:sld xmlns:a="http://schemas.openxmlformats.org/drawingml/2006/main" xmlns:r="http://schemas.openxmlformats.org/officeDocument/2006/relationships" xmlns:p="http://schemas.openxmlformats.org/presentationml/2006/main">
+  <p:cSld>
+    <p:spTree>
+      <p:nvGrpSpPr>
+        <p:cNvPr id="1" name=""/>
+        <p:cNvGrpSpPr/>
+        <p:nvPr/>
+      </p:nvGrpSpPr>
+      <p:grpSpPr>
+        <a:xfrm>
+          <a:off x="0" y="0"/>
+          <a:ext cx="0" cy="0"/>
+          <a:chOff x="0" y="0"/>
+          <a:chExt cx="0" cy="0"/>
+        </a:xfrm>
+      </p:grpSpPr>
+      <p:sp>
+        <p:nvSpPr>
+          <p:cNvPr id="2" name="Title 1">
+            <a:extLst>
+              <a:ext uri="{FF2B5EF4-FFF2-40B4-BE49-F238E27FC236}">
+                <a16:creationId xmlns:a16="http://schemas.microsoft.com/office/drawing/2014/main" id="{2B08A16B-6192-0CC1-98F4-BC901F8E1ED0}"/>
+              </a:ext>
+            </a:extLst>
+          </p:cNvPr>
+          <p:cNvSpPr>
+            <a:spLocks noGrp="1"/>
+          </p:cNvSpPr>
+          <p:nvPr>
+            <p:ph type="ctrTitle"/>
+          </p:nvPr>
+        </p:nvSpPr>
+        <p:spPr/>
+        <p:txBody>
+          <a:bodyPr/>
+          <a:lstStyle/>
+          <a:p>
+            <a:r>
+              <a:rPr lang="en-US" dirty="0"/>
+              <a:t>Agile Software for Lazy People</a:t>
+            </a:r>
+          </a:p>
+        </p:txBody>
+      </p:sp>
+      <p:sp>
+        <p:nvSpPr>
+          <p:cNvPr id="3" name="Subtitle 2">
+            <a:extLst>
+              <a:ext uri="{FF2B5EF4-FFF2-40B4-BE49-F238E27FC236}">
+                <a16:creationId xmlns:a16="http://schemas.microsoft.com/office/drawing/2014/main" id="{198289B3-45D9-9E76-C56B-94B839CA603B}"/>
+              </a:ext>
+            </a:extLst>
+          </p:cNvPr>
+          <p:cNvSpPr>
+            <a:spLocks noGrp="1"/>
+          </p:cNvSpPr>
+          <p:nvPr>
+            <p:ph type="subTitle" idx="1"/>
+          </p:nvPr>
+        </p:nvSpPr>
+        <p:spPr/>
+        <p:txBody>
+          <a:bodyPr/>
+          <a:lstStyle/>
+          <a:p>
+            <a:endParaRPr lang="en-US"/>
+          </a:p>
+        </p:txBody>
+      </p:sp>
+    </p:spTree>
+    <p:extLst>
+      <p:ext uri="{BB962C8B-B14F-4D97-AF65-F5344CB8AC3E}">
+        <p14:creationId xmlns:p14="http://schemas.microsoft.com/office/powerpoint/2010/main" val="508195298"/>
+      </p:ext>
+    </p:extLst>
+  </p:cSld>
+  <p:clrMapOvr>
+    <a:masterClrMapping/>
+  </p:clrMapOvr>
+</p:sld>
+</file>
+
+<file path=ppt/slides/slide20.xml><?xml version="1.0" encoding="utf-8"?>
+<p:sld xmlns:a="http://schemas.openxmlformats.org/drawingml/2006/main" xmlns:r="http://schemas.openxmlformats.org/officeDocument/2006/relationships" xmlns:p="http://schemas.openxmlformats.org/presentationml/2006/main">
+  <p:cSld>
+    <p:spTree>
+      <p:nvGrpSpPr>
+        <p:cNvPr id="1" name=""/>
+        <p:cNvGrpSpPr/>
+        <p:nvPr/>
+      </p:nvGrpSpPr>
+      <p:grpSpPr>
+        <a:xfrm>
+          <a:off x="0" y="0"/>
+          <a:ext cx="0" cy="0"/>
+          <a:chOff x="0" y="0"/>
+          <a:chExt cx="0" cy="0"/>
+        </a:xfrm>
+      </p:grpSpPr>
+      <p:sp>
+        <p:nvSpPr>
+          <p:cNvPr id="2" name="Title 1">
+            <a:extLst>
+              <a:ext uri="{FF2B5EF4-FFF2-40B4-BE49-F238E27FC236}">
                 <a16:creationId xmlns:a16="http://schemas.microsoft.com/office/drawing/2014/main" id="{F7E78CE1-6BAC-2E55-57FF-BDA9BA5DA824}"/>
               </a:ext>
             </a:extLst>
@@ -5106,7 +5571,7 @@
           <a:p>
             <a:r>
               <a:rPr lang="en-US" dirty="0"/>
-              <a:t>Employ a liberal use of print statements, variable viewer, or (later) debug tools. </a:t>
+              <a:t>Employ a liberal use of print statements, variable viewer, logging, and/or debug tools. </a:t>
             </a:r>
           </a:p>
           <a:p>
@@ -5131,7 +5596,7 @@
 </p:sld>
 </file>
 
-<file path=ppt/slides/slide19.xml><?xml version="1.0" encoding="utf-8"?>
+<file path=ppt/slides/slide21.xml><?xml version="1.0" encoding="utf-8"?>
 <p:sld xmlns:a="http://schemas.openxmlformats.org/drawingml/2006/main" xmlns:r="http://schemas.openxmlformats.org/officeDocument/2006/relationships" xmlns:p="http://schemas.openxmlformats.org/presentationml/2006/main">
   <p:cSld>
     <p:bg>
@@ -5337,90 +5802,7 @@
 </p:sld>
 </file>
 
-<file path=ppt/slides/slide2.xml><?xml version="1.0" encoding="utf-8"?>
-<p:sld xmlns:a="http://schemas.openxmlformats.org/drawingml/2006/main" xmlns:r="http://schemas.openxmlformats.org/officeDocument/2006/relationships" xmlns:p="http://schemas.openxmlformats.org/presentationml/2006/main">
-  <p:cSld>
-    <p:spTree>
-      <p:nvGrpSpPr>
-        <p:cNvPr id="1" name=""/>
-        <p:cNvGrpSpPr/>
-        <p:nvPr/>
-      </p:nvGrpSpPr>
-      <p:grpSpPr>
-        <a:xfrm>
-          <a:off x="0" y="0"/>
-          <a:ext cx="0" cy="0"/>
-          <a:chOff x="0" y="0"/>
-          <a:chExt cx="0" cy="0"/>
-        </a:xfrm>
-      </p:grpSpPr>
-      <p:sp>
-        <p:nvSpPr>
-          <p:cNvPr id="2" name="Title 1">
-            <a:extLst>
-              <a:ext uri="{FF2B5EF4-FFF2-40B4-BE49-F238E27FC236}">
-                <a16:creationId xmlns:a16="http://schemas.microsoft.com/office/drawing/2014/main" id="{2B08A16B-6192-0CC1-98F4-BC901F8E1ED0}"/>
-              </a:ext>
-            </a:extLst>
-          </p:cNvPr>
-          <p:cNvSpPr>
-            <a:spLocks noGrp="1"/>
-          </p:cNvSpPr>
-          <p:nvPr>
-            <p:ph type="ctrTitle"/>
-          </p:nvPr>
-        </p:nvSpPr>
-        <p:spPr/>
-        <p:txBody>
-          <a:bodyPr/>
-          <a:lstStyle/>
-          <a:p>
-            <a:r>
-              <a:rPr lang="en-US" dirty="0"/>
-              <a:t>Agile Software for Lazy People</a:t>
-            </a:r>
-          </a:p>
-        </p:txBody>
-      </p:sp>
-      <p:sp>
-        <p:nvSpPr>
-          <p:cNvPr id="3" name="Subtitle 2">
-            <a:extLst>
-              <a:ext uri="{FF2B5EF4-FFF2-40B4-BE49-F238E27FC236}">
-                <a16:creationId xmlns:a16="http://schemas.microsoft.com/office/drawing/2014/main" id="{198289B3-45D9-9E76-C56B-94B839CA603B}"/>
-              </a:ext>
-            </a:extLst>
-          </p:cNvPr>
-          <p:cNvSpPr>
-            <a:spLocks noGrp="1"/>
-          </p:cNvSpPr>
-          <p:nvPr>
-            <p:ph type="subTitle" idx="1"/>
-          </p:nvPr>
-        </p:nvSpPr>
-        <p:spPr/>
-        <p:txBody>
-          <a:bodyPr/>
-          <a:lstStyle/>
-          <a:p>
-            <a:endParaRPr lang="en-US"/>
-          </a:p>
-        </p:txBody>
-      </p:sp>
-    </p:spTree>
-    <p:extLst>
-      <p:ext uri="{BB962C8B-B14F-4D97-AF65-F5344CB8AC3E}">
-        <p14:creationId xmlns:p14="http://schemas.microsoft.com/office/powerpoint/2010/main" val="508195298"/>
-      </p:ext>
-    </p:extLst>
-  </p:cSld>
-  <p:clrMapOvr>
-    <a:masterClrMapping/>
-  </p:clrMapOvr>
-</p:sld>
-</file>
-
-<file path=ppt/slides/slide20.xml><?xml version="1.0" encoding="utf-8"?>
+<file path=ppt/slides/slide22.xml><?xml version="1.0" encoding="utf-8"?>
 <p:sld xmlns:a="http://schemas.openxmlformats.org/drawingml/2006/main" xmlns:r="http://schemas.openxmlformats.org/officeDocument/2006/relationships" xmlns:p="http://schemas.openxmlformats.org/presentationml/2006/main">
   <p:cSld>
     <p:spTree>
@@ -5724,7 +6106,7 @@
           <p:cNvPr id="2" name="Title 1">
             <a:extLst>
               <a:ext uri="{FF2B5EF4-FFF2-40B4-BE49-F238E27FC236}">
-                <a16:creationId xmlns:a16="http://schemas.microsoft.com/office/drawing/2014/main" id="{1873F698-7112-D0F3-6BAD-D6B20AA2C8CA}"/>
+                <a16:creationId xmlns:a16="http://schemas.microsoft.com/office/drawing/2014/main" id="{0EAB8499-1E3E-DB88-11E4-ABA252507DEC}"/>
               </a:ext>
             </a:extLst>
           </p:cNvPr>
@@ -5742,7 +6124,7 @@
           <a:p>
             <a:r>
               <a:rPr lang="en-US" dirty="0"/>
-              <a:t>Deck Constructor</a:t>
+              <a:t>Zooming Out…</a:t>
             </a:r>
           </a:p>
         </p:txBody>
@@ -5752,7 +6134,7 @@
           <p:cNvPr id="3" name="Content Placeholder 2">
             <a:extLst>
               <a:ext uri="{FF2B5EF4-FFF2-40B4-BE49-F238E27FC236}">
-                <a16:creationId xmlns:a16="http://schemas.microsoft.com/office/drawing/2014/main" id="{F05EB350-BAB0-97C6-52BA-B02C64847DBB}"/>
+                <a16:creationId xmlns:a16="http://schemas.microsoft.com/office/drawing/2014/main" id="{788CCEED-C35C-672B-C6E5-FB71D0A606D6}"/>
               </a:ext>
             </a:extLst>
           </p:cNvPr>
@@ -5765,8 +6147,8 @@
         </p:nvSpPr>
         <p:spPr>
           <a:xfrm>
-            <a:off x="1451579" y="2015732"/>
-            <a:ext cx="9603275" cy="4037749"/>
+            <a:off x="1270660" y="1853754"/>
+            <a:ext cx="10765627" cy="4199727"/>
           </a:xfrm>
         </p:spPr>
         <p:txBody>
@@ -5775,62 +6157,69 @@
           <a:p>
             <a:r>
               <a:rPr lang="en-US" dirty="0"/>
-              <a:t>Our deck constructor is setup right now to make a new deck. </a:t>
-            </a:r>
-          </a:p>
-          <a:p>
-            <a:pPr lvl="1"/>
-            <a:r>
-              <a:rPr lang="en-US" dirty="0"/>
-              <a:t>Create the data structure to hold the cards. </a:t>
-            </a:r>
-          </a:p>
-          <a:p>
-            <a:pPr lvl="1"/>
-            <a:r>
-              <a:rPr lang="en-US" dirty="0"/>
-              <a:t>Generate the 52 new cards to fill into a deck. </a:t>
-            </a:r>
-          </a:p>
-          <a:p>
-            <a:pPr lvl="1"/>
-            <a:r>
-              <a:rPr lang="en-US" dirty="0"/>
-              <a:t>Shuffle the deck so that it is ready to play with. </a:t>
-            </a:r>
-          </a:p>
-          <a:p>
-            <a:r>
-              <a:rPr lang="en-US" dirty="0"/>
-              <a:t>Problem – we (should) want to create different decks. </a:t>
-            </a:r>
-          </a:p>
-          <a:p>
-            <a:pPr lvl="1"/>
-            <a:r>
-              <a:rPr lang="en-US" dirty="0"/>
-              <a:t>A deck is really just a grouping of cards. </a:t>
-            </a:r>
-          </a:p>
-          <a:p>
-            <a:pPr lvl="1"/>
-            <a:r>
-              <a:rPr lang="en-US" dirty="0"/>
-              <a:t>Anything that we can do with a “full deck” can also be done with part of one. </a:t>
-            </a:r>
-          </a:p>
-          <a:p>
-            <a:pPr lvl="1"/>
-            <a:r>
-              <a:rPr lang="en-US" dirty="0"/>
-              <a:t>E.g. when taking cards out of a deck (like hands) those are all really just decks. </a:t>
-            </a:r>
-          </a:p>
-          <a:p>
-            <a:pPr lvl="1"/>
-            <a:r>
-              <a:rPr lang="en-US" dirty="0"/>
-              <a:t>Think about splitting a list into parts, the remainders are still lists. </a:t>
+              <a:t>Overall, the most important thing here is to get used to the abstract ideas of development:</a:t>
+            </a:r>
+          </a:p>
+          <a:p>
+            <a:pPr lvl="1"/>
+            <a:r>
+              <a:rPr lang="en-US" dirty="0"/>
+              <a:t>Modelling real world objects and requirements in code. </a:t>
+            </a:r>
+          </a:p>
+          <a:p>
+            <a:pPr lvl="1"/>
+            <a:r>
+              <a:rPr lang="en-US" dirty="0"/>
+              <a:t>Creating a plan to address these requirements, while all pieces are potentially flexible. </a:t>
+            </a:r>
+          </a:p>
+          <a:p>
+            <a:pPr lvl="1"/>
+            <a:r>
+              <a:rPr lang="en-US" dirty="0"/>
+              <a:t>Coding a solution, selecting outside tools, and adding custom code while testing that it works. </a:t>
+            </a:r>
+          </a:p>
+          <a:p>
+            <a:pPr lvl="1"/>
+            <a:r>
+              <a:rPr lang="en-US" dirty="0"/>
+              <a:t>Planning and implementing improvements to add functionality. </a:t>
+            </a:r>
+          </a:p>
+          <a:p>
+            <a:r>
+              <a:rPr lang="en-US" dirty="0"/>
+              <a:t>This stuff requires practice, and can often be frustrating – the process is valuable though. </a:t>
+            </a:r>
+          </a:p>
+          <a:p>
+            <a:r>
+              <a:rPr lang="en-US" dirty="0"/>
+              <a:t>It doesn’t really matter what solution you have, only that you made it. </a:t>
+            </a:r>
+          </a:p>
+          <a:p>
+            <a:pPr lvl="1"/>
+            <a:r>
+              <a:rPr lang="en-US" dirty="0"/>
+              <a:t>The rules of a game are fixed and well known in reality, how we model that can vary. </a:t>
+            </a:r>
+          </a:p>
+          <a:p>
+            <a:pPr lvl="1"/>
+            <a:r>
+              <a:rPr lang="en-US" dirty="0"/>
+              <a:t>Can set interim goals for sprints – dealing, declaring winners, people, bets, swaps, rounds, games, </a:t>
+            </a:r>
+            <a:r>
+              <a:rPr lang="en-US" dirty="0" err="1"/>
+              <a:t>etc</a:t>
+            </a:r>
+            <a:r>
+              <a:rPr lang="en-US" dirty="0"/>
+              <a:t>…</a:t>
             </a:r>
           </a:p>
         </p:txBody>
@@ -5838,7 +6227,7 @@
     </p:spTree>
     <p:extLst>
       <p:ext uri="{BB962C8B-B14F-4D97-AF65-F5344CB8AC3E}">
-        <p14:creationId xmlns:p14="http://schemas.microsoft.com/office/powerpoint/2010/main" val="3812364568"/>
+        <p14:creationId xmlns:p14="http://schemas.microsoft.com/office/powerpoint/2010/main" val="1506307607"/>
       </p:ext>
     </p:extLst>
   </p:cSld>
@@ -5870,7 +6259,7 @@
           <p:cNvPr id="2" name="Title 1">
             <a:extLst>
               <a:ext uri="{FF2B5EF4-FFF2-40B4-BE49-F238E27FC236}">
-                <a16:creationId xmlns:a16="http://schemas.microsoft.com/office/drawing/2014/main" id="{84843102-F4D0-16F2-7B67-CFED42A0AEFA}"/>
+                <a16:creationId xmlns:a16="http://schemas.microsoft.com/office/drawing/2014/main" id="{D229B489-CE0E-80A6-224F-71830FAB1958}"/>
               </a:ext>
             </a:extLst>
           </p:cNvPr>
@@ -5888,7 +6277,7 @@
           <a:p>
             <a:r>
               <a:rPr lang="en-US" dirty="0"/>
-              <a:t>Constructor Solution</a:t>
+              <a:t>Incremental Development</a:t>
             </a:r>
           </a:p>
         </p:txBody>
@@ -5898,7 +6287,7 @@
           <p:cNvPr id="3" name="Content Placeholder 2">
             <a:extLst>
               <a:ext uri="{FF2B5EF4-FFF2-40B4-BE49-F238E27FC236}">
-                <a16:creationId xmlns:a16="http://schemas.microsoft.com/office/drawing/2014/main" id="{6E54C7B8-887D-493C-761F-8E61B160C5F5}"/>
+                <a16:creationId xmlns:a16="http://schemas.microsoft.com/office/drawing/2014/main" id="{E2E011CA-7439-B384-9B2F-EB84C9E8F12B}"/>
               </a:ext>
             </a:extLst>
           </p:cNvPr>
@@ -5909,71 +6298,125 @@
             <p:ph idx="1"/>
           </p:nvPr>
         </p:nvSpPr>
-        <p:spPr/>
-        <p:txBody>
-          <a:bodyPr/>
-          <a:lstStyle/>
-          <a:p>
-            <a:r>
-              <a:rPr lang="en-US" dirty="0"/>
-              <a:t>The creation of a deck will always need to make the container. </a:t>
-            </a:r>
-          </a:p>
-          <a:p>
-            <a:pPr lvl="1"/>
-            <a:r>
-              <a:rPr lang="en-US" dirty="0"/>
-              <a:t>We can optionally fill it with 52 cards and shuffle (as we are now). </a:t>
-            </a:r>
-          </a:p>
-          <a:p>
-            <a:pPr lvl="1"/>
-            <a:r>
-              <a:rPr lang="en-US" dirty="0"/>
-              <a:t>We can add the ability to make it out of cards (using *</a:t>
+        <p:spPr>
+          <a:xfrm>
+            <a:off x="1" y="1853754"/>
+            <a:ext cx="5676730" cy="4199727"/>
+          </a:xfrm>
+        </p:spPr>
+        <p:txBody>
+          <a:bodyPr/>
+          <a:lstStyle/>
+          <a:p>
+            <a:r>
+              <a:rPr lang="en-US" dirty="0"/>
+              <a:t>Each cycle where the game is changing is short, we just have many. </a:t>
+            </a:r>
+          </a:p>
+          <a:p>
+            <a:r>
+              <a:rPr lang="en-US" dirty="0"/>
+              <a:t>The game works, it is just limited until the end.</a:t>
+            </a:r>
+          </a:p>
+          <a:p>
+            <a:r>
+              <a:rPr lang="en-US" dirty="0"/>
+              <a:t>I find this is easier for DS stuff (e.g. pipelines):</a:t>
+            </a:r>
+          </a:p>
+          <a:p>
+            <a:pPr lvl="1"/>
+            <a:r>
+              <a:rPr lang="en-US" dirty="0"/>
+              <a:t>Check that each stage is correct, then add. </a:t>
+            </a:r>
+          </a:p>
+          <a:p>
+            <a:pPr lvl="1"/>
+            <a:r>
+              <a:rPr lang="en-US" dirty="0"/>
+              <a:t>Here – add functionality to game, check it.</a:t>
+            </a:r>
+          </a:p>
+          <a:p>
+            <a:pPr lvl="1"/>
+            <a:r>
+              <a:rPr lang="en-US" dirty="0"/>
+              <a:t>Pipes – add steps, check output (or shape, </a:t>
             </a:r>
             <a:r>
               <a:rPr lang="en-US" dirty="0" err="1"/>
-              <a:t>args</a:t>
-            </a:r>
-            <a:r>
-              <a:rPr lang="en-US" dirty="0"/>
-              <a:t>). </a:t>
-            </a:r>
-          </a:p>
-          <a:p>
-            <a:pPr lvl="1"/>
-            <a:r>
-              <a:rPr lang="en-US" dirty="0"/>
-              <a:t>This will allow us to make different decks – new or subsets. </a:t>
-            </a:r>
-          </a:p>
-          <a:p>
-            <a:r>
-              <a:rPr lang="en-US" dirty="0"/>
-              <a:t>We need to modify the deck to allow for different outcomes:</a:t>
-            </a:r>
-          </a:p>
-          <a:p>
-            <a:pPr lvl="1"/>
-            <a:r>
-              <a:rPr lang="en-US" dirty="0"/>
-              <a:t>New deck of 52 (we’ve done this)</a:t>
-            </a:r>
-          </a:p>
-          <a:p>
-            <a:pPr lvl="1"/>
-            <a:r>
-              <a:rPr lang="en-US" dirty="0"/>
-              <a:t>New deck of whatever cards are provided (need to add this). </a:t>
-            </a:r>
-          </a:p>
-        </p:txBody>
-      </p:sp>
+              <a:t>etc</a:t>
+            </a:r>
+            <a:r>
+              <a:rPr lang="en-US" dirty="0"/>
+              <a:t>…)</a:t>
+            </a:r>
+          </a:p>
+          <a:p>
+            <a:r>
+              <a:rPr lang="en-US" dirty="0"/>
+              <a:t>Bugs are targeted. </a:t>
+            </a:r>
+          </a:p>
+          <a:p>
+            <a:r>
+              <a:rPr lang="en-US" dirty="0"/>
+              <a:t>Other changes trigger back testing – if modular. </a:t>
+            </a:r>
+          </a:p>
+        </p:txBody>
+      </p:sp>
+      <p:pic>
+        <p:nvPicPr>
+          <p:cNvPr id="1026" name="Picture 2" descr="A Comprehensive Guide to Understanding Agile Methodology">
+            <a:extLst>
+              <a:ext uri="{FF2B5EF4-FFF2-40B4-BE49-F238E27FC236}">
+                <a16:creationId xmlns:a16="http://schemas.microsoft.com/office/drawing/2014/main" id="{D8C9EC57-E83F-7C11-A66C-CE227D5937AB}"/>
+              </a:ext>
+            </a:extLst>
+          </p:cNvPr>
+          <p:cNvPicPr>
+            <a:picLocks noChangeAspect="1" noChangeArrowheads="1"/>
+          </p:cNvPicPr>
+          <p:nvPr/>
+        </p:nvPicPr>
+        <p:blipFill rotWithShape="1">
+          <a:blip r:embed="rId2">
+            <a:extLst>
+              <a:ext uri="{28A0092B-C50C-407E-A947-70E740481C1C}">
+                <a14:useLocalDpi xmlns:a14="http://schemas.microsoft.com/office/drawing/2010/main" val="0"/>
+              </a:ext>
+            </a:extLst>
+          </a:blip>
+          <a:srcRect l="7749" t="6061" r="7445" b="5800"/>
+          <a:stretch/>
+        </p:blipFill>
+        <p:spPr bwMode="auto">
+          <a:xfrm>
+            <a:off x="5676730" y="1853754"/>
+            <a:ext cx="6352973" cy="4952011"/>
+          </a:xfrm>
+          <a:prstGeom prst="rect">
+            <a:avLst/>
+          </a:prstGeom>
+          <a:noFill/>
+          <a:extLst>
+            <a:ext uri="{909E8E84-426E-40DD-AFC4-6F175D3DCCD1}">
+              <a14:hiddenFill xmlns:a14="http://schemas.microsoft.com/office/drawing/2010/main">
+                <a:solidFill>
+                  <a:srgbClr val="FFFFFF"/>
+                </a:solidFill>
+              </a14:hiddenFill>
+            </a:ext>
+          </a:extLst>
+        </p:spPr>
+      </p:pic>
     </p:spTree>
     <p:extLst>
       <p:ext uri="{BB962C8B-B14F-4D97-AF65-F5344CB8AC3E}">
-        <p14:creationId xmlns:p14="http://schemas.microsoft.com/office/powerpoint/2010/main" val="727924098"/>
+        <p14:creationId xmlns:p14="http://schemas.microsoft.com/office/powerpoint/2010/main" val="1629856137"/>
       </p:ext>
     </p:extLst>
   </p:cSld>
@@ -6005,7 +6448,7 @@
           <p:cNvPr id="2" name="Title 1">
             <a:extLst>
               <a:ext uri="{FF2B5EF4-FFF2-40B4-BE49-F238E27FC236}">
-                <a16:creationId xmlns:a16="http://schemas.microsoft.com/office/drawing/2014/main" id="{F64ECAFC-AB17-040E-CF0F-1543B76AF41B}"/>
+                <a16:creationId xmlns:a16="http://schemas.microsoft.com/office/drawing/2014/main" id="{1873F698-7112-D0F3-6BAD-D6B20AA2C8CA}"/>
               </a:ext>
             </a:extLst>
           </p:cNvPr>
@@ -6023,7 +6466,7 @@
           <a:p>
             <a:r>
               <a:rPr lang="en-US" dirty="0"/>
-              <a:t>Software Engineering Ideas</a:t>
+              <a:t>Deck Constructor</a:t>
             </a:r>
           </a:p>
         </p:txBody>
@@ -6033,7 +6476,7 @@
           <p:cNvPr id="3" name="Content Placeholder 2">
             <a:extLst>
               <a:ext uri="{FF2B5EF4-FFF2-40B4-BE49-F238E27FC236}">
-                <a16:creationId xmlns:a16="http://schemas.microsoft.com/office/drawing/2014/main" id="{EFA27231-EE82-3710-407A-0D1387D4C193}"/>
+                <a16:creationId xmlns:a16="http://schemas.microsoft.com/office/drawing/2014/main" id="{F05EB350-BAB0-97C6-52BA-B02C64847DBB}"/>
               </a:ext>
             </a:extLst>
           </p:cNvPr>
@@ -6056,54 +6499,62 @@
           <a:p>
             <a:r>
               <a:rPr lang="en-US" dirty="0"/>
-              <a:t>Figuring this all out, on the fly, is sometimes hard, that’s normal. </a:t>
-            </a:r>
-          </a:p>
-          <a:p>
-            <a:pPr lvl="1"/>
-            <a:r>
-              <a:rPr lang="en-US" dirty="0"/>
-              <a:t>Bashing your head in frustration is an unfortunate side effect of learning programming. </a:t>
-            </a:r>
-          </a:p>
-          <a:p>
-            <a:r>
-              <a:rPr lang="en-US" dirty="0"/>
-              <a:t>We’ll try to focus on a simple strategy to make things easier for now:</a:t>
-            </a:r>
-          </a:p>
-          <a:p>
-            <a:pPr lvl="1"/>
-            <a:r>
-              <a:rPr lang="en-US" dirty="0"/>
-              <a:t>Make it work, even if it doesn’t work well. Then improve what fails. </a:t>
-            </a:r>
-          </a:p>
-          <a:p>
-            <a:pPr lvl="1"/>
-            <a:r>
-              <a:rPr lang="en-US" dirty="0"/>
-              <a:t>As it is not working, keep a close eye on what is happening. I.e. print statements. </a:t>
-            </a:r>
-          </a:p>
-          <a:p>
-            <a:r>
-              <a:rPr lang="en-US" dirty="0"/>
-              <a:t>Some ideas can help us:</a:t>
-            </a:r>
-          </a:p>
-          <a:p>
-            <a:pPr lvl="1"/>
-            <a:r>
-              <a:rPr lang="en-US" dirty="0"/>
-              <a:t>Encapsulation – we want each object to be complete in what it stores and does. </a:t>
-            </a:r>
-          </a:p>
-          <a:p>
-            <a:pPr lvl="1"/>
-            <a:r>
-              <a:rPr lang="en-US" dirty="0"/>
-              <a:t>Inheritance/overriding – we can only add what we want to more simple types. </a:t>
+              <a:t>Our deck constructor is setup right now to make a new deck. </a:t>
+            </a:r>
+          </a:p>
+          <a:p>
+            <a:pPr lvl="1"/>
+            <a:r>
+              <a:rPr lang="en-US" dirty="0"/>
+              <a:t>Create the data structure to hold the cards. </a:t>
+            </a:r>
+          </a:p>
+          <a:p>
+            <a:pPr lvl="1"/>
+            <a:r>
+              <a:rPr lang="en-US" dirty="0"/>
+              <a:t>Generate the 52 new cards to fill into a deck. </a:t>
+            </a:r>
+          </a:p>
+          <a:p>
+            <a:pPr lvl="1"/>
+            <a:r>
+              <a:rPr lang="en-US" dirty="0"/>
+              <a:t>Shuffle the deck so that it is ready to play with. </a:t>
+            </a:r>
+          </a:p>
+          <a:p>
+            <a:r>
+              <a:rPr lang="en-US" dirty="0"/>
+              <a:t>Problem – we (should) want to create different decks. </a:t>
+            </a:r>
+          </a:p>
+          <a:p>
+            <a:pPr lvl="1"/>
+            <a:r>
+              <a:rPr lang="en-US" dirty="0"/>
+              <a:t>A deck is really just a grouping of cards. </a:t>
+            </a:r>
+          </a:p>
+          <a:p>
+            <a:pPr lvl="1"/>
+            <a:r>
+              <a:rPr lang="en-US" dirty="0"/>
+              <a:t>Anything that we can do with a “full deck” can also be done with part of one. </a:t>
+            </a:r>
+          </a:p>
+          <a:p>
+            <a:pPr lvl="1"/>
+            <a:r>
+              <a:rPr lang="en-US" dirty="0"/>
+              <a:t>E.g. when taking cards out of a deck (like hands) those are all really just decks. </a:t>
+            </a:r>
+          </a:p>
+          <a:p>
+            <a:pPr lvl="1"/>
+            <a:r>
+              <a:rPr lang="en-US" dirty="0"/>
+              <a:t>Think about splitting a list into parts, the remainders are still lists. </a:t>
             </a:r>
           </a:p>
         </p:txBody>
@@ -6111,7 +6562,7 @@
     </p:spTree>
     <p:extLst>
       <p:ext uri="{BB962C8B-B14F-4D97-AF65-F5344CB8AC3E}">
-        <p14:creationId xmlns:p14="http://schemas.microsoft.com/office/powerpoint/2010/main" val="1088648387"/>
+        <p14:creationId xmlns:p14="http://schemas.microsoft.com/office/powerpoint/2010/main" val="3812364568"/>
       </p:ext>
     </p:extLst>
   </p:cSld>
@@ -6143,7 +6594,7 @@
           <p:cNvPr id="2" name="Title 1">
             <a:extLst>
               <a:ext uri="{FF2B5EF4-FFF2-40B4-BE49-F238E27FC236}">
-                <a16:creationId xmlns:a16="http://schemas.microsoft.com/office/drawing/2014/main" id="{133695E6-0163-86F6-2E59-C07395CF8981}"/>
+                <a16:creationId xmlns:a16="http://schemas.microsoft.com/office/drawing/2014/main" id="{84843102-F4D0-16F2-7B67-CFED42A0AEFA}"/>
               </a:ext>
             </a:extLst>
           </p:cNvPr>
@@ -6161,15 +6612,7 @@
           <a:p>
             <a:r>
               <a:rPr lang="en-US" dirty="0"/>
-              <a:t>Adding *</a:t>
-            </a:r>
-            <a:r>
-              <a:rPr lang="en-US" dirty="0" err="1"/>
-              <a:t>args</a:t>
-            </a:r>
-            <a:r>
-              <a:rPr lang="en-US" dirty="0"/>
-              <a:t> for Constructor</a:t>
+              <a:t>Constructor Solution</a:t>
             </a:r>
           </a:p>
         </p:txBody>
@@ -6179,7 +6622,7 @@
           <p:cNvPr id="3" name="Content Placeholder 2">
             <a:extLst>
               <a:ext uri="{FF2B5EF4-FFF2-40B4-BE49-F238E27FC236}">
-                <a16:creationId xmlns:a16="http://schemas.microsoft.com/office/drawing/2014/main" id="{6A8D5A66-B5D7-A0F3-00A4-B611307FD788}"/>
+                <a16:creationId xmlns:a16="http://schemas.microsoft.com/office/drawing/2014/main" id="{6E54C7B8-887D-493C-761F-8E61B160C5F5}"/>
               </a:ext>
             </a:extLst>
           </p:cNvPr>
@@ -6190,64 +6633,28 @@
             <p:ph idx="1"/>
           </p:nvPr>
         </p:nvSpPr>
-        <p:spPr>
-          <a:xfrm>
-            <a:off x="1451579" y="1853754"/>
-            <a:ext cx="9603275" cy="4199727"/>
-          </a:xfrm>
-        </p:spPr>
-        <p:txBody>
-          <a:bodyPr>
-            <a:normAutofit/>
-          </a:bodyPr>
-          <a:lstStyle/>
-          <a:p>
-            <a:r>
-              <a:rPr lang="en-US" dirty="0"/>
-              <a:t>What can we do to add this?</a:t>
-            </a:r>
-          </a:p>
-          <a:p>
-            <a:pPr lvl="1"/>
-            <a:r>
-              <a:rPr lang="en-US" dirty="0"/>
-              <a:t>Define what we are getting and returning:</a:t>
-            </a:r>
-          </a:p>
-          <a:p>
-            <a:pPr lvl="2"/>
-            <a:r>
-              <a:rPr lang="en-US" dirty="0"/>
-              <a:t>Case 1 – new deck: Arguments – fill/shuffle options True. Return – deck object. </a:t>
-            </a:r>
-          </a:p>
-          <a:p>
-            <a:pPr lvl="2"/>
-            <a:r>
-              <a:rPr lang="en-US" dirty="0"/>
-              <a:t>Case 2 – small deck: Arguments – fill/shuffle options False, </a:t>
-            </a:r>
-            <a:r>
-              <a:rPr lang="en-US" dirty="0" err="1"/>
-              <a:t>Args</a:t>
-            </a:r>
-            <a:r>
-              <a:rPr lang="en-US" dirty="0"/>
-              <a:t> is a tuple of Cards. Return – deck. </a:t>
-            </a:r>
-          </a:p>
-          <a:p>
-            <a:pPr lvl="1"/>
-            <a:r>
-              <a:rPr lang="en-US" dirty="0"/>
-              <a:t>Define the change that we need to make:</a:t>
-            </a:r>
-          </a:p>
-          <a:p>
-            <a:pPr lvl="2"/>
-            <a:r>
-              <a:rPr lang="en-US" dirty="0"/>
-              <a:t>Add the argument of </a:t>
+        <p:spPr/>
+        <p:txBody>
+          <a:bodyPr/>
+          <a:lstStyle/>
+          <a:p>
+            <a:r>
+              <a:rPr lang="en-US" dirty="0"/>
+              <a:t>The creation of a deck will always need to make the container. </a:t>
+            </a:r>
+          </a:p>
+          <a:p>
+            <a:pPr lvl="1"/>
+            <a:r>
+              <a:rPr lang="en-US" dirty="0"/>
+              <a:t>We can optionally fill it with 52 cards and shuffle (as we are now). </a:t>
+            </a:r>
+          </a:p>
+          <a:p>
+            <a:pPr lvl="1"/>
+            <a:r>
+              <a:rPr lang="en-US" dirty="0"/>
+              <a:t>We can add the ability to make it out of cards (using *</a:t>
             </a:r>
             <a:r>
               <a:rPr lang="en-US" dirty="0" err="1"/>
@@ -6255,66 +6662,34 @@
             </a:r>
             <a:r>
               <a:rPr lang="en-US" dirty="0"/>
-              <a:t> for cards. </a:t>
-            </a:r>
-          </a:p>
-          <a:p>
-            <a:pPr lvl="2"/>
-            <a:r>
-              <a:rPr lang="en-US" dirty="0"/>
-              <a:t>Add a control statement to do one or the other. </a:t>
-            </a:r>
-          </a:p>
-          <a:p>
-            <a:pPr lvl="1"/>
-            <a:r>
-              <a:rPr lang="en-US" dirty="0"/>
-              <a:t>Add the *</a:t>
-            </a:r>
-            <a:r>
-              <a:rPr lang="en-US" dirty="0" err="1"/>
-              <a:t>args</a:t>
-            </a:r>
-            <a:r>
-              <a:rPr lang="en-US" dirty="0"/>
-              <a:t> argument to the constructor, don’t use it, and make sure it still works as it was. </a:t>
-            </a:r>
-          </a:p>
-          <a:p>
-            <a:pPr lvl="1"/>
-            <a:r>
-              <a:rPr lang="en-US" dirty="0"/>
-              <a:t>Add a step to the constructor to print what the </a:t>
-            </a:r>
-            <a:r>
-              <a:rPr lang="en-US" dirty="0" err="1"/>
-              <a:t>args</a:t>
-            </a:r>
-            <a:r>
-              <a:rPr lang="en-US" dirty="0"/>
-              <a:t> contains, without changing function. </a:t>
-            </a:r>
-          </a:p>
-          <a:p>
-            <a:pPr lvl="2"/>
-            <a:r>
-              <a:rPr lang="en-US" dirty="0"/>
-              <a:t>Verify what I am getting is what I expect – a tuple of card objects. </a:t>
-            </a:r>
-          </a:p>
-          <a:p>
-            <a:pPr lvl="2"/>
-            <a:r>
-              <a:rPr lang="en-US" dirty="0"/>
-              <a:t>If something goes wrong here I know it is due to passing or grabbing the </a:t>
-            </a:r>
-            <a:r>
-              <a:rPr lang="en-US" dirty="0" err="1"/>
-              <a:t>args</a:t>
-            </a:r>
-            <a:r>
-              <a:rPr lang="en-US" dirty="0"/>
-              <a:t>. </a:t>
+              <a:t>). </a:t>
+            </a:r>
+          </a:p>
+          <a:p>
+            <a:pPr lvl="1"/>
+            <a:r>
+              <a:rPr lang="en-US" dirty="0"/>
+              <a:t>This will allow us to make different decks – new or subsets. </a:t>
+            </a:r>
+          </a:p>
+          <a:p>
+            <a:r>
+              <a:rPr lang="en-US" dirty="0"/>
+              <a:t>We need to modify the deck to allow for different outcomes:</a:t>
+            </a:r>
+          </a:p>
+          <a:p>
+            <a:pPr lvl="1"/>
+            <a:r>
+              <a:rPr lang="en-US" dirty="0"/>
+              <a:t>New deck of 52 (we’ve done this)</a:t>
+            </a:r>
+          </a:p>
+          <a:p>
+            <a:pPr lvl="1"/>
+            <a:r>
+              <a:rPr lang="en-US" dirty="0"/>
+              <a:t>New deck of whatever cards are provided (need to add this). </a:t>
             </a:r>
           </a:p>
         </p:txBody>
@@ -6322,7 +6697,7 @@
     </p:spTree>
     <p:extLst>
       <p:ext uri="{BB962C8B-B14F-4D97-AF65-F5344CB8AC3E}">
-        <p14:creationId xmlns:p14="http://schemas.microsoft.com/office/powerpoint/2010/main" val="3295969160"/>
+        <p14:creationId xmlns:p14="http://schemas.microsoft.com/office/powerpoint/2010/main" val="727924098"/>
       </p:ext>
     </p:extLst>
   </p:cSld>
@@ -6354,7 +6729,7 @@
           <p:cNvPr id="2" name="Title 1">
             <a:extLst>
               <a:ext uri="{FF2B5EF4-FFF2-40B4-BE49-F238E27FC236}">
-                <a16:creationId xmlns:a16="http://schemas.microsoft.com/office/drawing/2014/main" id="{2409D84F-18B2-A240-3C47-598ECA0ADED3}"/>
+                <a16:creationId xmlns:a16="http://schemas.microsoft.com/office/drawing/2014/main" id="{F64ECAFC-AB17-040E-CF0F-1543B76AF41B}"/>
               </a:ext>
             </a:extLst>
           </p:cNvPr>
@@ -6372,7 +6747,7 @@
           <a:p>
             <a:r>
               <a:rPr lang="en-US" dirty="0"/>
-              <a:t>Cont.</a:t>
+              <a:t>Software Engineering Ideas</a:t>
             </a:r>
           </a:p>
         </p:txBody>
@@ -6382,7 +6757,7 @@
           <p:cNvPr id="3" name="Content Placeholder 2">
             <a:extLst>
               <a:ext uri="{FF2B5EF4-FFF2-40B4-BE49-F238E27FC236}">
-                <a16:creationId xmlns:a16="http://schemas.microsoft.com/office/drawing/2014/main" id="{39CFBB65-CD3D-B989-1186-61F63F8AB8DC}"/>
+                <a16:creationId xmlns:a16="http://schemas.microsoft.com/office/drawing/2014/main" id="{EFA27231-EE82-3710-407A-0D1387D4C193}"/>
               </a:ext>
             </a:extLst>
           </p:cNvPr>
@@ -6395,71 +6770,73 @@
         </p:nvSpPr>
         <p:spPr>
           <a:xfrm>
-            <a:off x="725557" y="2015732"/>
-            <a:ext cx="10783956" cy="4037749"/>
+            <a:off x="854765" y="1853754"/>
+            <a:ext cx="11261035" cy="4199727"/>
           </a:xfrm>
         </p:spPr>
         <p:txBody>
-          <a:bodyPr/>
-          <a:lstStyle/>
-          <a:p>
-            <a:r>
-              <a:rPr lang="en-US" dirty="0"/>
-              <a:t>Now I know that my constructor works and can “see” the cards that I want to use. </a:t>
-            </a:r>
-          </a:p>
-          <a:p>
-            <a:r>
-              <a:rPr lang="en-US" dirty="0"/>
-              <a:t>Define and test the control condition for full deck / small deck:</a:t>
-            </a:r>
-          </a:p>
-          <a:p>
-            <a:pPr lvl="1"/>
-            <a:r>
-              <a:rPr lang="en-US" dirty="0"/>
-              <a:t>If doing a full deck, make sure that I don’t break it. </a:t>
-            </a:r>
-          </a:p>
-          <a:p>
-            <a:pPr lvl="1"/>
-            <a:r>
-              <a:rPr lang="en-US" dirty="0"/>
-              <a:t>If doing a small deck, start with just printing out the cards or something easy. Return an empty deck.</a:t>
-            </a:r>
-          </a:p>
-          <a:p>
-            <a:pPr lvl="1"/>
-            <a:r>
-              <a:rPr lang="en-US" dirty="0"/>
-              <a:t>I can also separate the steps of processing the input and printing it, and making the new object. </a:t>
-            </a:r>
-          </a:p>
-          <a:p>
-            <a:pPr lvl="1"/>
-            <a:r>
-              <a:rPr lang="en-US" dirty="0"/>
-              <a:t>If something goes wrong here I know it was something to do with logic and argument options. </a:t>
-            </a:r>
-          </a:p>
-          <a:p>
-            <a:r>
-              <a:rPr lang="en-US" dirty="0"/>
-              <a:t>Add a step to construct the small deck, so the second option will now return the result. </a:t>
-            </a:r>
-          </a:p>
-          <a:p>
-            <a:pPr lvl="1"/>
-            <a:r>
-              <a:rPr lang="en-US" dirty="0"/>
-              <a:t>I.e. replace the generation part in a full deck with taking the cards and putting them in. </a:t>
-            </a:r>
-          </a:p>
-          <a:p>
-            <a:pPr lvl="1"/>
-            <a:r>
-              <a:rPr lang="en-US" dirty="0"/>
-              <a:t>If something here fails, we know it was the step off adding cards to a deck</a:t>
+          <a:bodyPr>
+            <a:normAutofit/>
+          </a:bodyPr>
+          <a:lstStyle/>
+          <a:p>
+            <a:r>
+              <a:rPr lang="en-US" dirty="0"/>
+              <a:t>Figuring this all out, on the fly, is sometimes hard, that’s normal. </a:t>
+            </a:r>
+          </a:p>
+          <a:p>
+            <a:pPr lvl="1"/>
+            <a:r>
+              <a:rPr lang="en-US" dirty="0"/>
+              <a:t>Bashing your head in frustration is an unfortunate side effect of learning programming. </a:t>
+            </a:r>
+          </a:p>
+          <a:p>
+            <a:r>
+              <a:rPr lang="en-US" dirty="0"/>
+              <a:t>We’ll try to focus on a simple strategy to make things easier for now:</a:t>
+            </a:r>
+          </a:p>
+          <a:p>
+            <a:pPr lvl="1"/>
+            <a:r>
+              <a:rPr lang="en-US" dirty="0"/>
+              <a:t>Make it work, even if it doesn’t work well. Then improve what fails. </a:t>
+            </a:r>
+          </a:p>
+          <a:p>
+            <a:pPr lvl="1"/>
+            <a:r>
+              <a:rPr lang="en-US" dirty="0"/>
+              <a:t>As it is not working, keep a close eye on what is happening. I.e. print statements. </a:t>
+            </a:r>
+          </a:p>
+          <a:p>
+            <a:r>
+              <a:rPr lang="en-US" dirty="0"/>
+              <a:t>Some ideas can help us:</a:t>
+            </a:r>
+          </a:p>
+          <a:p>
+            <a:pPr lvl="1"/>
+            <a:r>
+              <a:rPr lang="en-US" dirty="0"/>
+              <a:t>Encapsulation – we want each object to be complete in what it stores and does. </a:t>
+            </a:r>
+          </a:p>
+          <a:p>
+            <a:pPr lvl="1"/>
+            <a:r>
+              <a:rPr lang="en-US" dirty="0"/>
+              <a:t>Inheritance/overriding – we can only add what we want to more simple types. </a:t>
+            </a:r>
+          </a:p>
+          <a:p>
+            <a:pPr lvl="1"/>
+            <a:r>
+              <a:rPr lang="en-US" dirty="0"/>
+              <a:t>If things are modular, each item to make/change is small, so we don’t have to handle large problems at one time. </a:t>
             </a:r>
           </a:p>
         </p:txBody>
@@ -6467,7 +6844,7 @@
     </p:spTree>
     <p:extLst>
       <p:ext uri="{BB962C8B-B14F-4D97-AF65-F5344CB8AC3E}">
-        <p14:creationId xmlns:p14="http://schemas.microsoft.com/office/powerpoint/2010/main" val="3013411299"/>
+        <p14:creationId xmlns:p14="http://schemas.microsoft.com/office/powerpoint/2010/main" val="1088648387"/>
       </p:ext>
     </p:extLst>
   </p:cSld>
@@ -6499,7 +6876,7 @@
           <p:cNvPr id="2" name="Title 1">
             <a:extLst>
               <a:ext uri="{FF2B5EF4-FFF2-40B4-BE49-F238E27FC236}">
-                <a16:creationId xmlns:a16="http://schemas.microsoft.com/office/drawing/2014/main" id="{28699051-3447-B17E-8507-50315872AB6D}"/>
+                <a16:creationId xmlns:a16="http://schemas.microsoft.com/office/drawing/2014/main" id="{133695E6-0163-86F6-2E59-C07395CF8981}"/>
               </a:ext>
             </a:extLst>
           </p:cNvPr>
@@ -6517,7 +6894,15 @@
           <a:p>
             <a:r>
               <a:rPr lang="en-US" dirty="0"/>
-              <a:t>With well encapsulated Functions</a:t>
+              <a:t>Adding *</a:t>
+            </a:r>
+            <a:r>
+              <a:rPr lang="en-US" dirty="0" err="1"/>
+              <a:t>args</a:t>
+            </a:r>
+            <a:r>
+              <a:rPr lang="en-US" dirty="0"/>
+              <a:t> for Constructor</a:t>
             </a:r>
           </a:p>
         </p:txBody>
@@ -6527,7 +6912,7 @@
           <p:cNvPr id="3" name="Content Placeholder 2">
             <a:extLst>
               <a:ext uri="{FF2B5EF4-FFF2-40B4-BE49-F238E27FC236}">
-                <a16:creationId xmlns:a16="http://schemas.microsoft.com/office/drawing/2014/main" id="{B677BA0D-6D48-F357-AB49-0D1D0312B947}"/>
+                <a16:creationId xmlns:a16="http://schemas.microsoft.com/office/drawing/2014/main" id="{6A8D5A66-B5D7-A0F3-00A4-B611307FD788}"/>
               </a:ext>
             </a:extLst>
           </p:cNvPr>
@@ -6540,8 +6925,8 @@
         </p:nvSpPr>
         <p:spPr>
           <a:xfrm>
-            <a:off x="1137146" y="1853754"/>
-            <a:ext cx="10024497" cy="4199727"/>
+            <a:off x="1451579" y="1853754"/>
+            <a:ext cx="9603275" cy="4199727"/>
           </a:xfrm>
         </p:spPr>
         <p:txBody>
@@ -6552,84 +6937,117 @@
           <a:p>
             <a:r>
               <a:rPr lang="en-US" dirty="0"/>
-              <a:t>Define the arguments and the return value (if not specified). </a:t>
-            </a:r>
-          </a:p>
-          <a:p>
-            <a:pPr lvl="1"/>
-            <a:r>
-              <a:rPr lang="en-US" dirty="0"/>
-              <a:t>This is a reason we want to split things into functions, they can be tested and reused. </a:t>
-            </a:r>
-          </a:p>
-          <a:p>
-            <a:r>
-              <a:rPr lang="en-US" dirty="0"/>
-              <a:t>Start with an empty shell of the function:</a:t>
-            </a:r>
-          </a:p>
-          <a:p>
-            <a:pPr lvl="1"/>
-            <a:r>
-              <a:rPr lang="en-US" dirty="0"/>
-              <a:t>Take in arguments and look at them (print, info, length, </a:t>
+              <a:t>What can we do to add this?</a:t>
+            </a:r>
+          </a:p>
+          <a:p>
+            <a:pPr lvl="1"/>
+            <a:r>
+              <a:rPr lang="en-US" dirty="0"/>
+              <a:t>Define what we are getting and returning:</a:t>
+            </a:r>
+          </a:p>
+          <a:p>
+            <a:pPr lvl="2"/>
+            <a:r>
+              <a:rPr lang="en-US" dirty="0"/>
+              <a:t>Case 1 – new deck: Arguments – fill/shuffle options True. Return – deck object. </a:t>
+            </a:r>
+          </a:p>
+          <a:p>
+            <a:pPr lvl="2"/>
+            <a:r>
+              <a:rPr lang="en-US" dirty="0"/>
+              <a:t>Case 2 – small deck: Arguments – fill/shuffle options False, </a:t>
             </a:r>
             <a:r>
               <a:rPr lang="en-US" dirty="0" err="1"/>
-              <a:t>etc</a:t>
-            </a:r>
-            <a:r>
-              <a:rPr lang="en-US" dirty="0"/>
-              <a:t>…)</a:t>
-            </a:r>
-          </a:p>
-          <a:p>
-            <a:pPr lvl="1"/>
-            <a:r>
-              <a:rPr lang="en-US" dirty="0"/>
-              <a:t>Return some empty or default version of whatever you need to provide. (Other code still works)</a:t>
-            </a:r>
-          </a:p>
-          <a:p>
-            <a:pPr lvl="1"/>
-            <a:r>
-              <a:rPr lang="en-US" dirty="0"/>
-              <a:t>Now the goal is fixed – go from the start to the end. It generally doesn’t matter how. </a:t>
-            </a:r>
-          </a:p>
-          <a:p>
-            <a:r>
-              <a:rPr lang="en-US" dirty="0"/>
-              <a:t>Begin to work incrementally on the problem:</a:t>
-            </a:r>
-          </a:p>
-          <a:p>
-            <a:pPr lvl="1"/>
-            <a:r>
-              <a:rPr lang="en-US" dirty="0"/>
-              <a:t>If there are control logic like ifs or loops, can we make an empty one. Print where you are in each. </a:t>
-            </a:r>
-          </a:p>
-          <a:p>
-            <a:pPr lvl="1"/>
-            <a:r>
-              <a:rPr lang="en-US" dirty="0"/>
-              <a:t>When doing the “processing” part update print or return </a:t>
+              <a:t>Args</a:t>
+            </a:r>
+            <a:r>
+              <a:rPr lang="en-US" dirty="0"/>
+              <a:t> is a tuple of Cards. Return – deck. </a:t>
+            </a:r>
+          </a:p>
+          <a:p>
+            <a:pPr lvl="1"/>
+            <a:r>
+              <a:rPr lang="en-US" dirty="0"/>
+              <a:t>Define the change that we need to make:</a:t>
+            </a:r>
+          </a:p>
+          <a:p>
+            <a:pPr lvl="2"/>
+            <a:r>
+              <a:rPr lang="en-US" dirty="0"/>
+              <a:t>Add the argument of </a:t>
             </a:r>
             <a:r>
               <a:rPr lang="en-US" dirty="0" err="1"/>
-              <a:t>vals</a:t>
-            </a:r>
-            <a:r>
-              <a:rPr lang="en-US" dirty="0"/>
-              <a:t> progressively to see what changes. </a:t>
-            </a:r>
-          </a:p>
-          <a:p>
-            <a:pPr lvl="1"/>
-            <a:r>
-              <a:rPr lang="en-US" dirty="0"/>
-              <a:t>As we add each additional step, if things stop working, we know it was that step. </a:t>
+              <a:t>args</a:t>
+            </a:r>
+            <a:r>
+              <a:rPr lang="en-US" dirty="0"/>
+              <a:t> for cards. </a:t>
+            </a:r>
+          </a:p>
+          <a:p>
+            <a:pPr lvl="2"/>
+            <a:r>
+              <a:rPr lang="en-US" dirty="0"/>
+              <a:t>Add a control statement to do one or the other. </a:t>
+            </a:r>
+          </a:p>
+          <a:p>
+            <a:pPr lvl="1"/>
+            <a:r>
+              <a:rPr lang="en-US" dirty="0"/>
+              <a:t>Add the *</a:t>
+            </a:r>
+            <a:r>
+              <a:rPr lang="en-US" dirty="0" err="1"/>
+              <a:t>args</a:t>
+            </a:r>
+            <a:r>
+              <a:rPr lang="en-US" dirty="0"/>
+              <a:t> argument to the constructor, don’t use it, and make sure it still works as it was. </a:t>
+            </a:r>
+          </a:p>
+          <a:p>
+            <a:pPr lvl="1"/>
+            <a:r>
+              <a:rPr lang="en-US" dirty="0"/>
+              <a:t>Add a step to the constructor to print what the </a:t>
+            </a:r>
+            <a:r>
+              <a:rPr lang="en-US" dirty="0" err="1"/>
+              <a:t>args</a:t>
+            </a:r>
+            <a:r>
+              <a:rPr lang="en-US" dirty="0"/>
+              <a:t> contains, without changing function. </a:t>
+            </a:r>
+          </a:p>
+          <a:p>
+            <a:pPr lvl="2"/>
+            <a:r>
+              <a:rPr lang="en-US" dirty="0"/>
+              <a:t>Verify what I am getting is what I expect – a tuple of card objects. </a:t>
+            </a:r>
+          </a:p>
+          <a:p>
+            <a:pPr lvl="2"/>
+            <a:r>
+              <a:rPr lang="en-US" dirty="0"/>
+              <a:t>If something goes wrong here I know it is due to passing or grabbing the </a:t>
+            </a:r>
+            <a:r>
+              <a:rPr lang="en-US" dirty="0" err="1"/>
+              <a:t>args</a:t>
+            </a:r>
+            <a:r>
+              <a:rPr lang="en-US" dirty="0"/>
+              <a:t>. </a:t>
             </a:r>
           </a:p>
         </p:txBody>
@@ -6637,7 +7055,7 @@
     </p:spTree>
     <p:extLst>
       <p:ext uri="{BB962C8B-B14F-4D97-AF65-F5344CB8AC3E}">
-        <p14:creationId xmlns:p14="http://schemas.microsoft.com/office/powerpoint/2010/main" val="2265251456"/>
+        <p14:creationId xmlns:p14="http://schemas.microsoft.com/office/powerpoint/2010/main" val="3295969160"/>
       </p:ext>
     </p:extLst>
   </p:cSld>
